--- a/Syllabus/Lecture06/Lec06.pptx
+++ b/Syllabus/Lecture06/Lec06.pptx
@@ -22096,13 +22096,27 @@
               <a:rPr lang="en-US" dirty="0"/>
               <a:t>How can we use such nominal data for classification? How can we learn the categories of such data? </a:t>
             </a:r>
-            <a:r>
-              <a:rPr lang="en-US" i="1" dirty="0"/>
+          </a:p>
+          <a:p>
+            <a:pPr marL="774685" lvl="1" indent="-165100">
+              <a:spcAft>
+                <a:spcPts val="600"/>
+              </a:spcAft>
+              <a:buFont typeface="Arial" pitchFamily="34" charset="0"/>
+              <a:buChar char="•"/>
+              <a:defRPr/>
+            </a:pPr>
+            <a:r>
+              <a:rPr lang="en-US" i="1" u="sng" dirty="0"/>
               <a:t>Non-metric</a:t>
             </a:r>
             <a:r>
+              <a:rPr lang="en-US" u="sng" dirty="0"/>
+              <a:t> methods such as decision trees provide a way to deal with such data</a:t>
+            </a:r>
+            <a:r>
               <a:rPr lang="en-US" dirty="0"/>
-              <a:t> methods such as decision trees provide a way to deal with such data.</a:t>
+              <a:t>.</a:t>
             </a:r>
           </a:p>
           <a:p>
@@ -22147,84 +22161,6 @@
   <p:clrMapOvr>
     <a:masterClrMapping/>
   </p:clrMapOvr>
-  <p:timing>
-    <p:tnLst>
-      <p:par>
-        <p:cTn id="1" dur="indefinite" restart="never" nodeType="tmRoot">
-          <p:childTnLst>
-            <p:seq concurrent="1" nextAc="seek">
-              <p:cTn id="2" dur="indefinite" nodeType="mainSeq">
-                <p:childTnLst>
-                  <p:par>
-                    <p:cTn id="3" fill="hold">
-                      <p:stCondLst>
-                        <p:cond delay="indefinite"/>
-                      </p:stCondLst>
-                      <p:childTnLst>
-                        <p:par>
-                          <p:cTn id="4" fill="hold">
-                            <p:stCondLst>
-                              <p:cond delay="0"/>
-                            </p:stCondLst>
-                            <p:childTnLst>
-                              <p:par>
-                                <p:cTn id="5" presetID="1" presetClass="entr" presetSubtype="0" fill="hold" grpId="0" nodeType="clickEffect">
-                                  <p:stCondLst>
-                                    <p:cond delay="0"/>
-                                  </p:stCondLst>
-                                  <p:childTnLst>
-                                    <p:set>
-                                      <p:cBhvr>
-                                        <p:cTn id="6" dur="1" fill="hold">
-                                          <p:stCondLst>
-                                            <p:cond delay="0"/>
-                                          </p:stCondLst>
-                                        </p:cTn>
-                                        <p:tgtEl>
-                                          <p:spTgt spid="96"/>
-                                        </p:tgtEl>
-                                        <p:attrNameLst>
-                                          <p:attrName>style.visibility</p:attrName>
-                                        </p:attrNameLst>
-                                      </p:cBhvr>
-                                      <p:to>
-                                        <p:strVal val="visible"/>
-                                      </p:to>
-                                    </p:set>
-                                  </p:childTnLst>
-                                </p:cTn>
-                              </p:par>
-                            </p:childTnLst>
-                          </p:cTn>
-                        </p:par>
-                      </p:childTnLst>
-                    </p:cTn>
-                  </p:par>
-                </p:childTnLst>
-              </p:cTn>
-              <p:prevCondLst>
-                <p:cond evt="onPrev" delay="0">
-                  <p:tgtEl>
-                    <p:sldTgt/>
-                  </p:tgtEl>
-                </p:cond>
-              </p:prevCondLst>
-              <p:nextCondLst>
-                <p:cond evt="onNext" delay="0">
-                  <p:tgtEl>
-                    <p:sldTgt/>
-                  </p:tgtEl>
-                </p:cond>
-              </p:nextCondLst>
-            </p:seq>
-          </p:childTnLst>
-        </p:cTn>
-      </p:par>
-    </p:tnLst>
-    <p:bldLst>
-      <p:bldP spid="96" grpId="0"/>
-    </p:bldLst>
-  </p:timing>
 </p:sld>
 </file>
 

--- a/Syllabus/Lecture06/Lec06.pptx
+++ b/Syllabus/Lecture06/Lec06.pptx
@@ -5,10 +5,10 @@
     <p:sldMasterId id="2147483664" r:id="rId1"/>
   </p:sldMasterIdLst>
   <p:notesMasterIdLst>
-    <p:notesMasterId r:id="rId43"/>
+    <p:notesMasterId r:id="rId42"/>
   </p:notesMasterIdLst>
   <p:handoutMasterIdLst>
-    <p:handoutMasterId r:id="rId44"/>
+    <p:handoutMasterId r:id="rId43"/>
   </p:handoutMasterIdLst>
   <p:sldIdLst>
     <p:sldId id="266" r:id="rId2"/>
@@ -51,7 +51,6 @@
     <p:sldId id="423" r:id="rId39"/>
     <p:sldId id="424" r:id="rId40"/>
     <p:sldId id="422" r:id="rId41"/>
-    <p:sldId id="290" r:id="rId42"/>
   </p:sldIdLst>
   <p:sldSz cx="12192000" cy="6858000"/>
   <p:notesSz cx="6858000" cy="9144000"/>
@@ -195,7 +194,6 @@
             <p14:sldId id="423"/>
             <p14:sldId id="424"/>
             <p14:sldId id="422"/>
-            <p14:sldId id="290"/>
           </p14:sldIdLst>
         </p14:section>
       </p14:sectionLst>
@@ -7668,1057 +7666,6 @@
 </p:sldLayout>
 </file>
 
-<file path=ppt/slideLayouts/slideLayout9.xml><?xml version="1.0" encoding="utf-8"?>
-<p:sldLayout xmlns:a="http://schemas.openxmlformats.org/drawingml/2006/main" xmlns:r="http://schemas.openxmlformats.org/officeDocument/2006/relationships" xmlns:p="http://schemas.openxmlformats.org/presentationml/2006/main" matchingName="Title and Content 1" type="obj">
-  <p:cSld name="Title and Content 1">
-    <p:spTree>
-      <p:nvGrpSpPr>
-        <p:cNvPr id="1" name="Shape 69"/>
-        <p:cNvGrpSpPr/>
-        <p:nvPr/>
-      </p:nvGrpSpPr>
-      <p:grpSpPr>
-        <a:xfrm>
-          <a:off x="0" y="0"/>
-          <a:ext cx="0" cy="0"/>
-          <a:chOff x="0" y="0"/>
-          <a:chExt cx="0" cy="0"/>
-        </a:xfrm>
-      </p:grpSpPr>
-      <p:sp>
-        <p:nvSpPr>
-          <p:cNvPr id="70" name="Google Shape;70;p10"/>
-          <p:cNvSpPr txBox="1">
-            <a:spLocks noGrp="1"/>
-          </p:cNvSpPr>
-          <p:nvPr>
-            <p:ph type="title"/>
-          </p:nvPr>
-        </p:nvSpPr>
-        <p:spPr>
-          <a:xfrm>
-            <a:off x="609600" y="900113"/>
-            <a:ext cx="10972800" cy="1068400"/>
-          </a:xfrm>
-          <a:prstGeom prst="rect">
-            <a:avLst/>
-          </a:prstGeom>
-          <a:noFill/>
-          <a:ln>
-            <a:noFill/>
-          </a:ln>
-        </p:spPr>
-        <p:txBody>
-          <a:bodyPr spcFirstLastPara="1" wrap="square" lIns="91425" tIns="91425" rIns="91425" bIns="91425" anchor="ctr" anchorCtr="0">
-            <a:noAutofit/>
-          </a:bodyPr>
-          <a:lstStyle>
-            <a:lvl1pPr marL="0" marR="0" lvl="0" indent="0" algn="l" rtl="0">
-              <a:spcBef>
-                <a:spcPts val="0"/>
-              </a:spcBef>
-              <a:spcAft>
-                <a:spcPts val="0"/>
-              </a:spcAft>
-              <a:buSzPts val="1400"/>
-              <a:buNone/>
-              <a:defRPr sz="4267" b="1" i="0" u="none" strike="noStrike" cap="none">
-                <a:solidFill>
-                  <a:schemeClr val="dk1"/>
-                </a:solidFill>
-                <a:latin typeface="Arial"/>
-                <a:ea typeface="Arial"/>
-                <a:cs typeface="Arial"/>
-                <a:sym typeface="Arial"/>
-              </a:defRPr>
-            </a:lvl1pPr>
-            <a:lvl2pPr marL="0" marR="0" lvl="1" indent="0" algn="ctr" rtl="0">
-              <a:spcBef>
-                <a:spcPts val="0"/>
-              </a:spcBef>
-              <a:spcAft>
-                <a:spcPts val="0"/>
-              </a:spcAft>
-              <a:buSzPts val="1400"/>
-              <a:buNone/>
-              <a:defRPr sz="4267" b="1" i="0" u="none" strike="noStrike" cap="none">
-                <a:solidFill>
-                  <a:schemeClr val="dk1"/>
-                </a:solidFill>
-                <a:latin typeface="Arial"/>
-                <a:ea typeface="Arial"/>
-                <a:cs typeface="Arial"/>
-                <a:sym typeface="Arial"/>
-              </a:defRPr>
-            </a:lvl2pPr>
-            <a:lvl3pPr marL="0" marR="0" lvl="2" indent="0" algn="ctr" rtl="0">
-              <a:spcBef>
-                <a:spcPts val="0"/>
-              </a:spcBef>
-              <a:spcAft>
-                <a:spcPts val="0"/>
-              </a:spcAft>
-              <a:buSzPts val="1400"/>
-              <a:buNone/>
-              <a:defRPr sz="4267" b="1" i="0" u="none" strike="noStrike" cap="none">
-                <a:solidFill>
-                  <a:schemeClr val="dk1"/>
-                </a:solidFill>
-                <a:latin typeface="Arial"/>
-                <a:ea typeface="Arial"/>
-                <a:cs typeface="Arial"/>
-                <a:sym typeface="Arial"/>
-              </a:defRPr>
-            </a:lvl3pPr>
-            <a:lvl4pPr marL="0" marR="0" lvl="3" indent="0" algn="ctr" rtl="0">
-              <a:spcBef>
-                <a:spcPts val="0"/>
-              </a:spcBef>
-              <a:spcAft>
-                <a:spcPts val="0"/>
-              </a:spcAft>
-              <a:buSzPts val="1400"/>
-              <a:buNone/>
-              <a:defRPr sz="4267" b="1" i="0" u="none" strike="noStrike" cap="none">
-                <a:solidFill>
-                  <a:schemeClr val="dk1"/>
-                </a:solidFill>
-                <a:latin typeface="Arial"/>
-                <a:ea typeface="Arial"/>
-                <a:cs typeface="Arial"/>
-                <a:sym typeface="Arial"/>
-              </a:defRPr>
-            </a:lvl4pPr>
-            <a:lvl5pPr marL="0" marR="0" lvl="4" indent="0" algn="ctr" rtl="0">
-              <a:spcBef>
-                <a:spcPts val="0"/>
-              </a:spcBef>
-              <a:spcAft>
-                <a:spcPts val="0"/>
-              </a:spcAft>
-              <a:buSzPts val="1400"/>
-              <a:buNone/>
-              <a:defRPr sz="4267" b="1" i="0" u="none" strike="noStrike" cap="none">
-                <a:solidFill>
-                  <a:schemeClr val="dk1"/>
-                </a:solidFill>
-                <a:latin typeface="Arial"/>
-                <a:ea typeface="Arial"/>
-                <a:cs typeface="Arial"/>
-                <a:sym typeface="Arial"/>
-              </a:defRPr>
-            </a:lvl5pPr>
-            <a:lvl6pPr marL="609585" marR="0" lvl="5" indent="0" algn="ctr" rtl="0">
-              <a:spcBef>
-                <a:spcPts val="0"/>
-              </a:spcBef>
-              <a:spcAft>
-                <a:spcPts val="0"/>
-              </a:spcAft>
-              <a:buSzPts val="1400"/>
-              <a:buNone/>
-              <a:defRPr sz="4267" b="1" i="0" u="none" strike="noStrike" cap="none">
-                <a:solidFill>
-                  <a:schemeClr val="dk1"/>
-                </a:solidFill>
-                <a:latin typeface="Arial"/>
-                <a:ea typeface="Arial"/>
-                <a:cs typeface="Arial"/>
-                <a:sym typeface="Arial"/>
-              </a:defRPr>
-            </a:lvl6pPr>
-            <a:lvl7pPr marL="1219170" marR="0" lvl="6" indent="0" algn="ctr" rtl="0">
-              <a:spcBef>
-                <a:spcPts val="0"/>
-              </a:spcBef>
-              <a:spcAft>
-                <a:spcPts val="0"/>
-              </a:spcAft>
-              <a:buSzPts val="1400"/>
-              <a:buNone/>
-              <a:defRPr sz="4267" b="1" i="0" u="none" strike="noStrike" cap="none">
-                <a:solidFill>
-                  <a:schemeClr val="dk1"/>
-                </a:solidFill>
-                <a:latin typeface="Arial"/>
-                <a:ea typeface="Arial"/>
-                <a:cs typeface="Arial"/>
-                <a:sym typeface="Arial"/>
-              </a:defRPr>
-            </a:lvl7pPr>
-            <a:lvl8pPr marL="1828754" marR="0" lvl="7" indent="0" algn="ctr" rtl="0">
-              <a:spcBef>
-                <a:spcPts val="0"/>
-              </a:spcBef>
-              <a:spcAft>
-                <a:spcPts val="0"/>
-              </a:spcAft>
-              <a:buSzPts val="1400"/>
-              <a:buNone/>
-              <a:defRPr sz="4267" b="1" i="0" u="none" strike="noStrike" cap="none">
-                <a:solidFill>
-                  <a:schemeClr val="dk1"/>
-                </a:solidFill>
-                <a:latin typeface="Arial"/>
-                <a:ea typeface="Arial"/>
-                <a:cs typeface="Arial"/>
-                <a:sym typeface="Arial"/>
-              </a:defRPr>
-            </a:lvl8pPr>
-            <a:lvl9pPr marL="2438339" marR="0" lvl="8" indent="0" algn="ctr" rtl="0">
-              <a:spcBef>
-                <a:spcPts val="0"/>
-              </a:spcBef>
-              <a:spcAft>
-                <a:spcPts val="0"/>
-              </a:spcAft>
-              <a:buSzPts val="1400"/>
-              <a:buNone/>
-              <a:defRPr sz="4267" b="1" i="0" u="none" strike="noStrike" cap="none">
-                <a:solidFill>
-                  <a:schemeClr val="dk1"/>
-                </a:solidFill>
-                <a:latin typeface="Arial"/>
-                <a:ea typeface="Arial"/>
-                <a:cs typeface="Arial"/>
-                <a:sym typeface="Arial"/>
-              </a:defRPr>
-            </a:lvl9pPr>
-          </a:lstStyle>
-          <a:p>
-            <a:endParaRPr/>
-          </a:p>
-        </p:txBody>
-      </p:sp>
-      <p:sp>
-        <p:nvSpPr>
-          <p:cNvPr id="71" name="Google Shape;71;p10"/>
-          <p:cNvSpPr txBox="1">
-            <a:spLocks noGrp="1"/>
-          </p:cNvSpPr>
-          <p:nvPr>
-            <p:ph type="body" idx="1"/>
-          </p:nvPr>
-        </p:nvSpPr>
-        <p:spPr>
-          <a:xfrm>
-            <a:off x="697867" y="2030300"/>
-            <a:ext cx="10972800" cy="3103600"/>
-          </a:xfrm>
-          <a:prstGeom prst="rect">
-            <a:avLst/>
-          </a:prstGeom>
-          <a:noFill/>
-          <a:ln>
-            <a:noFill/>
-          </a:ln>
-        </p:spPr>
-        <p:txBody>
-          <a:bodyPr spcFirstLastPara="1" wrap="square" lIns="91425" tIns="91425" rIns="91425" bIns="91425" anchor="t" anchorCtr="0">
-            <a:noAutofit/>
-          </a:bodyPr>
-          <a:lstStyle>
-            <a:lvl1pPr marL="609585" marR="0" lvl="0" indent="-507987" algn="l" rtl="0">
-              <a:spcBef>
-                <a:spcPts val="640"/>
-              </a:spcBef>
-              <a:spcAft>
-                <a:spcPts val="0"/>
-              </a:spcAft>
-              <a:buClr>
-                <a:schemeClr val="dk1"/>
-              </a:buClr>
-              <a:buSzPts val="2400"/>
-              <a:buFont typeface="Arial"/>
-              <a:buChar char="•"/>
-              <a:defRPr sz="3200" b="0" i="0" u="none" strike="noStrike" cap="none">
-                <a:solidFill>
-                  <a:schemeClr val="dk1"/>
-                </a:solidFill>
-                <a:latin typeface="Arial"/>
-                <a:ea typeface="Arial"/>
-                <a:cs typeface="Arial"/>
-                <a:sym typeface="Arial"/>
-              </a:defRPr>
-            </a:lvl1pPr>
-            <a:lvl2pPr marL="1219170" marR="0" lvl="1" indent="-507987" algn="l" rtl="0">
-              <a:spcBef>
-                <a:spcPts val="640"/>
-              </a:spcBef>
-              <a:spcAft>
-                <a:spcPts val="0"/>
-              </a:spcAft>
-              <a:buClr>
-                <a:schemeClr val="dk1"/>
-              </a:buClr>
-              <a:buSzPts val="2400"/>
-              <a:buFont typeface="Arial"/>
-              <a:buChar char="–"/>
-              <a:defRPr sz="3200" b="0" i="0" u="none" strike="noStrike" cap="none">
-                <a:solidFill>
-                  <a:schemeClr val="dk1"/>
-                </a:solidFill>
-                <a:latin typeface="Arial"/>
-                <a:ea typeface="Arial"/>
-                <a:cs typeface="Arial"/>
-                <a:sym typeface="Arial"/>
-              </a:defRPr>
-            </a:lvl2pPr>
-            <a:lvl3pPr marL="1828754" marR="0" lvl="2" indent="-457189" algn="l" rtl="0">
-              <a:spcBef>
-                <a:spcPts val="480"/>
-              </a:spcBef>
-              <a:spcAft>
-                <a:spcPts val="0"/>
-              </a:spcAft>
-              <a:buClr>
-                <a:schemeClr val="dk1"/>
-              </a:buClr>
-              <a:buSzPts val="1800"/>
-              <a:buFont typeface="Arial"/>
-              <a:buChar char="•"/>
-              <a:defRPr sz="2400" b="0" i="0" u="none" strike="noStrike" cap="none">
-                <a:solidFill>
-                  <a:schemeClr val="dk1"/>
-                </a:solidFill>
-                <a:latin typeface="Arial"/>
-                <a:ea typeface="Arial"/>
-                <a:cs typeface="Arial"/>
-                <a:sym typeface="Arial"/>
-              </a:defRPr>
-            </a:lvl3pPr>
-            <a:lvl4pPr marL="2438339" marR="0" lvl="3" indent="-423323" algn="l" rtl="0">
-              <a:spcBef>
-                <a:spcPts val="373"/>
-              </a:spcBef>
-              <a:spcAft>
-                <a:spcPts val="0"/>
-              </a:spcAft>
-              <a:buClr>
-                <a:schemeClr val="dk1"/>
-              </a:buClr>
-              <a:buSzPts val="1400"/>
-              <a:buFont typeface="Arial"/>
-              <a:buChar char="–"/>
-              <a:defRPr sz="1867" b="0" i="0" u="none" strike="noStrike" cap="none">
-                <a:solidFill>
-                  <a:schemeClr val="dk1"/>
-                </a:solidFill>
-                <a:latin typeface="Arial"/>
-                <a:ea typeface="Arial"/>
-                <a:cs typeface="Arial"/>
-                <a:sym typeface="Arial"/>
-              </a:defRPr>
-            </a:lvl4pPr>
-            <a:lvl5pPr marL="3047924" marR="0" lvl="4" indent="-389457" algn="l" rtl="0">
-              <a:spcBef>
-                <a:spcPts val="267"/>
-              </a:spcBef>
-              <a:spcAft>
-                <a:spcPts val="0"/>
-              </a:spcAft>
-              <a:buClr>
-                <a:schemeClr val="dk1"/>
-              </a:buClr>
-              <a:buSzPts val="1000"/>
-              <a:buFont typeface="Arial"/>
-              <a:buChar char="»"/>
-              <a:defRPr sz="1333" b="0" i="0" u="none" strike="noStrike" cap="none">
-                <a:solidFill>
-                  <a:schemeClr val="dk1"/>
-                </a:solidFill>
-                <a:latin typeface="Arial"/>
-                <a:ea typeface="Arial"/>
-                <a:cs typeface="Arial"/>
-                <a:sym typeface="Arial"/>
-              </a:defRPr>
-            </a:lvl5pPr>
-            <a:lvl6pPr marL="3657509" marR="0" lvl="5" indent="-474121" algn="l" rtl="0">
-              <a:spcBef>
-                <a:spcPts val="533"/>
-              </a:spcBef>
-              <a:spcAft>
-                <a:spcPts val="0"/>
-              </a:spcAft>
-              <a:buClr>
-                <a:schemeClr val="dk1"/>
-              </a:buClr>
-              <a:buSzPts val="2000"/>
-              <a:buFont typeface="Arial"/>
-              <a:buChar char="•"/>
-              <a:defRPr sz="2667" b="0" i="0" u="none" strike="noStrike" cap="none">
-                <a:solidFill>
-                  <a:schemeClr val="dk1"/>
-                </a:solidFill>
-                <a:latin typeface="Calibri"/>
-                <a:ea typeface="Calibri"/>
-                <a:cs typeface="Calibri"/>
-                <a:sym typeface="Calibri"/>
-              </a:defRPr>
-            </a:lvl6pPr>
-            <a:lvl7pPr marL="4267093" marR="0" lvl="6" indent="-474121" algn="l" rtl="0">
-              <a:spcBef>
-                <a:spcPts val="533"/>
-              </a:spcBef>
-              <a:spcAft>
-                <a:spcPts val="0"/>
-              </a:spcAft>
-              <a:buClr>
-                <a:schemeClr val="dk1"/>
-              </a:buClr>
-              <a:buSzPts val="2000"/>
-              <a:buFont typeface="Arial"/>
-              <a:buChar char="•"/>
-              <a:defRPr sz="2667" b="0" i="0" u="none" strike="noStrike" cap="none">
-                <a:solidFill>
-                  <a:schemeClr val="dk1"/>
-                </a:solidFill>
-                <a:latin typeface="Calibri"/>
-                <a:ea typeface="Calibri"/>
-                <a:cs typeface="Calibri"/>
-                <a:sym typeface="Calibri"/>
-              </a:defRPr>
-            </a:lvl7pPr>
-            <a:lvl8pPr marL="4876678" marR="0" lvl="7" indent="-474121" algn="l" rtl="0">
-              <a:spcBef>
-                <a:spcPts val="533"/>
-              </a:spcBef>
-              <a:spcAft>
-                <a:spcPts val="0"/>
-              </a:spcAft>
-              <a:buClr>
-                <a:schemeClr val="dk1"/>
-              </a:buClr>
-              <a:buSzPts val="2000"/>
-              <a:buFont typeface="Arial"/>
-              <a:buChar char="•"/>
-              <a:defRPr sz="2667" b="0" i="0" u="none" strike="noStrike" cap="none">
-                <a:solidFill>
-                  <a:schemeClr val="dk1"/>
-                </a:solidFill>
-                <a:latin typeface="Calibri"/>
-                <a:ea typeface="Calibri"/>
-                <a:cs typeface="Calibri"/>
-                <a:sym typeface="Calibri"/>
-              </a:defRPr>
-            </a:lvl8pPr>
-            <a:lvl9pPr marL="5486263" marR="0" lvl="8" indent="-474121" algn="l" rtl="0">
-              <a:spcBef>
-                <a:spcPts val="533"/>
-              </a:spcBef>
-              <a:spcAft>
-                <a:spcPts val="0"/>
-              </a:spcAft>
-              <a:buClr>
-                <a:schemeClr val="dk1"/>
-              </a:buClr>
-              <a:buSzPts val="2000"/>
-              <a:buFont typeface="Arial"/>
-              <a:buChar char="•"/>
-              <a:defRPr sz="2667" b="0" i="0" u="none" strike="noStrike" cap="none">
-                <a:solidFill>
-                  <a:schemeClr val="dk1"/>
-                </a:solidFill>
-                <a:latin typeface="Calibri"/>
-                <a:ea typeface="Calibri"/>
-                <a:cs typeface="Calibri"/>
-                <a:sym typeface="Calibri"/>
-              </a:defRPr>
-            </a:lvl9pPr>
-          </a:lstStyle>
-          <a:p>
-            <a:endParaRPr/>
-          </a:p>
-        </p:txBody>
-      </p:sp>
-      <p:sp>
-        <p:nvSpPr>
-          <p:cNvPr id="72" name="Google Shape;72;p10"/>
-          <p:cNvSpPr txBox="1">
-            <a:spLocks noGrp="1"/>
-          </p:cNvSpPr>
-          <p:nvPr>
-            <p:ph type="dt" idx="10"/>
-          </p:nvPr>
-        </p:nvSpPr>
-        <p:spPr>
-          <a:xfrm>
-            <a:off x="609600" y="6356351"/>
-            <a:ext cx="2844800" cy="365200"/>
-          </a:xfrm>
-          <a:prstGeom prst="rect">
-            <a:avLst/>
-          </a:prstGeom>
-          <a:noFill/>
-          <a:ln>
-            <a:noFill/>
-          </a:ln>
-        </p:spPr>
-        <p:txBody>
-          <a:bodyPr spcFirstLastPara="1" wrap="square" lIns="91425" tIns="91425" rIns="91425" bIns="91425" anchor="ctr" anchorCtr="0">
-            <a:noAutofit/>
-          </a:bodyPr>
-          <a:lstStyle>
-            <a:lvl1pPr marL="0" marR="0" lvl="0" indent="0" algn="l" rtl="0">
-              <a:spcBef>
-                <a:spcPts val="0"/>
-              </a:spcBef>
-              <a:spcAft>
-                <a:spcPts val="0"/>
-              </a:spcAft>
-              <a:buSzPts val="1400"/>
-              <a:buNone/>
-              <a:defRPr sz="1600">
-                <a:solidFill>
-                  <a:srgbClr val="888888"/>
-                </a:solidFill>
-                <a:latin typeface="Arial"/>
-                <a:ea typeface="Arial"/>
-                <a:cs typeface="Arial"/>
-                <a:sym typeface="Arial"/>
-              </a:defRPr>
-            </a:lvl1pPr>
-            <a:lvl2pPr marL="609585" marR="0" lvl="1" indent="0" algn="l" rtl="0">
-              <a:spcBef>
-                <a:spcPts val="0"/>
-              </a:spcBef>
-              <a:spcAft>
-                <a:spcPts val="0"/>
-              </a:spcAft>
-              <a:buSzPts val="1400"/>
-              <a:buNone/>
-              <a:defRPr sz="2400" b="0" i="0" u="none" strike="noStrike" cap="none">
-                <a:solidFill>
-                  <a:schemeClr val="dk1"/>
-                </a:solidFill>
-                <a:latin typeface="Calibri"/>
-                <a:ea typeface="Calibri"/>
-                <a:cs typeface="Calibri"/>
-                <a:sym typeface="Calibri"/>
-              </a:defRPr>
-            </a:lvl2pPr>
-            <a:lvl3pPr marL="1219170" marR="0" lvl="2" indent="0" algn="l" rtl="0">
-              <a:spcBef>
-                <a:spcPts val="0"/>
-              </a:spcBef>
-              <a:spcAft>
-                <a:spcPts val="0"/>
-              </a:spcAft>
-              <a:buSzPts val="1400"/>
-              <a:buNone/>
-              <a:defRPr sz="2400" b="0" i="0" u="none" strike="noStrike" cap="none">
-                <a:solidFill>
-                  <a:schemeClr val="dk1"/>
-                </a:solidFill>
-                <a:latin typeface="Calibri"/>
-                <a:ea typeface="Calibri"/>
-                <a:cs typeface="Calibri"/>
-                <a:sym typeface="Calibri"/>
-              </a:defRPr>
-            </a:lvl3pPr>
-            <a:lvl4pPr marL="1828754" marR="0" lvl="3" indent="0" algn="l" rtl="0">
-              <a:spcBef>
-                <a:spcPts val="0"/>
-              </a:spcBef>
-              <a:spcAft>
-                <a:spcPts val="0"/>
-              </a:spcAft>
-              <a:buSzPts val="1400"/>
-              <a:buNone/>
-              <a:defRPr sz="2400" b="0" i="0" u="none" strike="noStrike" cap="none">
-                <a:solidFill>
-                  <a:schemeClr val="dk1"/>
-                </a:solidFill>
-                <a:latin typeface="Calibri"/>
-                <a:ea typeface="Calibri"/>
-                <a:cs typeface="Calibri"/>
-                <a:sym typeface="Calibri"/>
-              </a:defRPr>
-            </a:lvl4pPr>
-            <a:lvl5pPr marL="2438339" marR="0" lvl="4" indent="0" algn="l" rtl="0">
-              <a:spcBef>
-                <a:spcPts val="0"/>
-              </a:spcBef>
-              <a:spcAft>
-                <a:spcPts val="0"/>
-              </a:spcAft>
-              <a:buSzPts val="1400"/>
-              <a:buNone/>
-              <a:defRPr sz="2400" b="0" i="0" u="none" strike="noStrike" cap="none">
-                <a:solidFill>
-                  <a:schemeClr val="dk1"/>
-                </a:solidFill>
-                <a:latin typeface="Calibri"/>
-                <a:ea typeface="Calibri"/>
-                <a:cs typeface="Calibri"/>
-                <a:sym typeface="Calibri"/>
-              </a:defRPr>
-            </a:lvl5pPr>
-            <a:lvl6pPr marL="3047924" marR="0" lvl="5" indent="0" algn="l" rtl="0">
-              <a:spcBef>
-                <a:spcPts val="0"/>
-              </a:spcBef>
-              <a:spcAft>
-                <a:spcPts val="0"/>
-              </a:spcAft>
-              <a:buSzPts val="1400"/>
-              <a:buNone/>
-              <a:defRPr sz="2400" b="0" i="0" u="none" strike="noStrike" cap="none">
-                <a:solidFill>
-                  <a:schemeClr val="dk1"/>
-                </a:solidFill>
-                <a:latin typeface="Calibri"/>
-                <a:ea typeface="Calibri"/>
-                <a:cs typeface="Calibri"/>
-                <a:sym typeface="Calibri"/>
-              </a:defRPr>
-            </a:lvl6pPr>
-            <a:lvl7pPr marL="3657509" marR="0" lvl="6" indent="0" algn="l" rtl="0">
-              <a:spcBef>
-                <a:spcPts val="0"/>
-              </a:spcBef>
-              <a:spcAft>
-                <a:spcPts val="0"/>
-              </a:spcAft>
-              <a:buSzPts val="1400"/>
-              <a:buNone/>
-              <a:defRPr sz="2400" b="0" i="0" u="none" strike="noStrike" cap="none">
-                <a:solidFill>
-                  <a:schemeClr val="dk1"/>
-                </a:solidFill>
-                <a:latin typeface="Calibri"/>
-                <a:ea typeface="Calibri"/>
-                <a:cs typeface="Calibri"/>
-                <a:sym typeface="Calibri"/>
-              </a:defRPr>
-            </a:lvl7pPr>
-            <a:lvl8pPr marL="4267093" marR="0" lvl="7" indent="0" algn="l" rtl="0">
-              <a:spcBef>
-                <a:spcPts val="0"/>
-              </a:spcBef>
-              <a:spcAft>
-                <a:spcPts val="0"/>
-              </a:spcAft>
-              <a:buSzPts val="1400"/>
-              <a:buNone/>
-              <a:defRPr sz="2400" b="0" i="0" u="none" strike="noStrike" cap="none">
-                <a:solidFill>
-                  <a:schemeClr val="dk1"/>
-                </a:solidFill>
-                <a:latin typeface="Calibri"/>
-                <a:ea typeface="Calibri"/>
-                <a:cs typeface="Calibri"/>
-                <a:sym typeface="Calibri"/>
-              </a:defRPr>
-            </a:lvl8pPr>
-            <a:lvl9pPr marL="4876678" marR="0" lvl="8" indent="0" algn="l" rtl="0">
-              <a:spcBef>
-                <a:spcPts val="0"/>
-              </a:spcBef>
-              <a:spcAft>
-                <a:spcPts val="0"/>
-              </a:spcAft>
-              <a:buSzPts val="1400"/>
-              <a:buNone/>
-              <a:defRPr sz="2400" b="0" i="0" u="none" strike="noStrike" cap="none">
-                <a:solidFill>
-                  <a:schemeClr val="dk1"/>
-                </a:solidFill>
-                <a:latin typeface="Calibri"/>
-                <a:ea typeface="Calibri"/>
-                <a:cs typeface="Calibri"/>
-                <a:sym typeface="Calibri"/>
-              </a:defRPr>
-            </a:lvl9pPr>
-          </a:lstStyle>
-          <a:p>
-            <a:endParaRPr/>
-          </a:p>
-        </p:txBody>
-      </p:sp>
-      <p:sp>
-        <p:nvSpPr>
-          <p:cNvPr id="73" name="Google Shape;73;p10"/>
-          <p:cNvSpPr txBox="1">
-            <a:spLocks noGrp="1"/>
-          </p:cNvSpPr>
-          <p:nvPr>
-            <p:ph type="ftr" idx="11"/>
-          </p:nvPr>
-        </p:nvSpPr>
-        <p:spPr>
-          <a:xfrm>
-            <a:off x="4165600" y="6356351"/>
-            <a:ext cx="3860800" cy="365200"/>
-          </a:xfrm>
-          <a:prstGeom prst="rect">
-            <a:avLst/>
-          </a:prstGeom>
-          <a:noFill/>
-          <a:ln>
-            <a:noFill/>
-          </a:ln>
-        </p:spPr>
-        <p:txBody>
-          <a:bodyPr spcFirstLastPara="1" wrap="square" lIns="91425" tIns="91425" rIns="91425" bIns="91425" anchor="ctr" anchorCtr="0">
-            <a:noAutofit/>
-          </a:bodyPr>
-          <a:lstStyle>
-            <a:lvl1pPr marL="0" marR="0" lvl="0" indent="0" algn="ctr" rtl="0">
-              <a:spcBef>
-                <a:spcPts val="0"/>
-              </a:spcBef>
-              <a:spcAft>
-                <a:spcPts val="0"/>
-              </a:spcAft>
-              <a:buSzPts val="1400"/>
-              <a:buNone/>
-              <a:defRPr sz="1600">
-                <a:solidFill>
-                  <a:srgbClr val="888888"/>
-                </a:solidFill>
-                <a:latin typeface="Arial"/>
-                <a:ea typeface="Arial"/>
-                <a:cs typeface="Arial"/>
-                <a:sym typeface="Arial"/>
-              </a:defRPr>
-            </a:lvl1pPr>
-            <a:lvl2pPr marL="609585" marR="0" lvl="1" indent="0" algn="l" rtl="0">
-              <a:spcBef>
-                <a:spcPts val="0"/>
-              </a:spcBef>
-              <a:spcAft>
-                <a:spcPts val="0"/>
-              </a:spcAft>
-              <a:buSzPts val="1400"/>
-              <a:buNone/>
-              <a:defRPr sz="2400" b="0" i="0" u="none" strike="noStrike" cap="none">
-                <a:solidFill>
-                  <a:schemeClr val="dk1"/>
-                </a:solidFill>
-                <a:latin typeface="Calibri"/>
-                <a:ea typeface="Calibri"/>
-                <a:cs typeface="Calibri"/>
-                <a:sym typeface="Calibri"/>
-              </a:defRPr>
-            </a:lvl2pPr>
-            <a:lvl3pPr marL="1219170" marR="0" lvl="2" indent="0" algn="l" rtl="0">
-              <a:spcBef>
-                <a:spcPts val="0"/>
-              </a:spcBef>
-              <a:spcAft>
-                <a:spcPts val="0"/>
-              </a:spcAft>
-              <a:buSzPts val="1400"/>
-              <a:buNone/>
-              <a:defRPr sz="2400" b="0" i="0" u="none" strike="noStrike" cap="none">
-                <a:solidFill>
-                  <a:schemeClr val="dk1"/>
-                </a:solidFill>
-                <a:latin typeface="Calibri"/>
-                <a:ea typeface="Calibri"/>
-                <a:cs typeface="Calibri"/>
-                <a:sym typeface="Calibri"/>
-              </a:defRPr>
-            </a:lvl3pPr>
-            <a:lvl4pPr marL="1828754" marR="0" lvl="3" indent="0" algn="l" rtl="0">
-              <a:spcBef>
-                <a:spcPts val="0"/>
-              </a:spcBef>
-              <a:spcAft>
-                <a:spcPts val="0"/>
-              </a:spcAft>
-              <a:buSzPts val="1400"/>
-              <a:buNone/>
-              <a:defRPr sz="2400" b="0" i="0" u="none" strike="noStrike" cap="none">
-                <a:solidFill>
-                  <a:schemeClr val="dk1"/>
-                </a:solidFill>
-                <a:latin typeface="Calibri"/>
-                <a:ea typeface="Calibri"/>
-                <a:cs typeface="Calibri"/>
-                <a:sym typeface="Calibri"/>
-              </a:defRPr>
-            </a:lvl4pPr>
-            <a:lvl5pPr marL="2438339" marR="0" lvl="4" indent="0" algn="l" rtl="0">
-              <a:spcBef>
-                <a:spcPts val="0"/>
-              </a:spcBef>
-              <a:spcAft>
-                <a:spcPts val="0"/>
-              </a:spcAft>
-              <a:buSzPts val="1400"/>
-              <a:buNone/>
-              <a:defRPr sz="2400" b="0" i="0" u="none" strike="noStrike" cap="none">
-                <a:solidFill>
-                  <a:schemeClr val="dk1"/>
-                </a:solidFill>
-                <a:latin typeface="Calibri"/>
-                <a:ea typeface="Calibri"/>
-                <a:cs typeface="Calibri"/>
-                <a:sym typeface="Calibri"/>
-              </a:defRPr>
-            </a:lvl5pPr>
-            <a:lvl6pPr marL="3047924" marR="0" lvl="5" indent="0" algn="l" rtl="0">
-              <a:spcBef>
-                <a:spcPts val="0"/>
-              </a:spcBef>
-              <a:spcAft>
-                <a:spcPts val="0"/>
-              </a:spcAft>
-              <a:buSzPts val="1400"/>
-              <a:buNone/>
-              <a:defRPr sz="2400" b="0" i="0" u="none" strike="noStrike" cap="none">
-                <a:solidFill>
-                  <a:schemeClr val="dk1"/>
-                </a:solidFill>
-                <a:latin typeface="Calibri"/>
-                <a:ea typeface="Calibri"/>
-                <a:cs typeface="Calibri"/>
-                <a:sym typeface="Calibri"/>
-              </a:defRPr>
-            </a:lvl6pPr>
-            <a:lvl7pPr marL="3657509" marR="0" lvl="6" indent="0" algn="l" rtl="0">
-              <a:spcBef>
-                <a:spcPts val="0"/>
-              </a:spcBef>
-              <a:spcAft>
-                <a:spcPts val="0"/>
-              </a:spcAft>
-              <a:buSzPts val="1400"/>
-              <a:buNone/>
-              <a:defRPr sz="2400" b="0" i="0" u="none" strike="noStrike" cap="none">
-                <a:solidFill>
-                  <a:schemeClr val="dk1"/>
-                </a:solidFill>
-                <a:latin typeface="Calibri"/>
-                <a:ea typeface="Calibri"/>
-                <a:cs typeface="Calibri"/>
-                <a:sym typeface="Calibri"/>
-              </a:defRPr>
-            </a:lvl7pPr>
-            <a:lvl8pPr marL="4267093" marR="0" lvl="7" indent="0" algn="l" rtl="0">
-              <a:spcBef>
-                <a:spcPts val="0"/>
-              </a:spcBef>
-              <a:spcAft>
-                <a:spcPts val="0"/>
-              </a:spcAft>
-              <a:buSzPts val="1400"/>
-              <a:buNone/>
-              <a:defRPr sz="2400" b="0" i="0" u="none" strike="noStrike" cap="none">
-                <a:solidFill>
-                  <a:schemeClr val="dk1"/>
-                </a:solidFill>
-                <a:latin typeface="Calibri"/>
-                <a:ea typeface="Calibri"/>
-                <a:cs typeface="Calibri"/>
-                <a:sym typeface="Calibri"/>
-              </a:defRPr>
-            </a:lvl8pPr>
-            <a:lvl9pPr marL="4876678" marR="0" lvl="8" indent="0" algn="l" rtl="0">
-              <a:spcBef>
-                <a:spcPts val="0"/>
-              </a:spcBef>
-              <a:spcAft>
-                <a:spcPts val="0"/>
-              </a:spcAft>
-              <a:buSzPts val="1400"/>
-              <a:buNone/>
-              <a:defRPr sz="2400" b="0" i="0" u="none" strike="noStrike" cap="none">
-                <a:solidFill>
-                  <a:schemeClr val="dk1"/>
-                </a:solidFill>
-                <a:latin typeface="Calibri"/>
-                <a:ea typeface="Calibri"/>
-                <a:cs typeface="Calibri"/>
-                <a:sym typeface="Calibri"/>
-              </a:defRPr>
-            </a:lvl9pPr>
-          </a:lstStyle>
-          <a:p>
-            <a:endParaRPr/>
-          </a:p>
-        </p:txBody>
-      </p:sp>
-      <p:sp>
-        <p:nvSpPr>
-          <p:cNvPr id="74" name="Google Shape;74;p10"/>
-          <p:cNvSpPr txBox="1">
-            <a:spLocks noGrp="1"/>
-          </p:cNvSpPr>
-          <p:nvPr>
-            <p:ph type="sldNum" idx="12"/>
-          </p:nvPr>
-        </p:nvSpPr>
-        <p:spPr>
-          <a:xfrm>
-            <a:off x="9347200" y="92011"/>
-            <a:ext cx="2844800" cy="612400"/>
-          </a:xfrm>
-          <a:prstGeom prst="rect">
-            <a:avLst/>
-          </a:prstGeom>
-          <a:noFill/>
-          <a:ln>
-            <a:noFill/>
-          </a:ln>
-        </p:spPr>
-        <p:txBody>
-          <a:bodyPr spcFirstLastPara="1" wrap="square" lIns="91425" tIns="45700" rIns="91425" bIns="45700" anchor="ctr" anchorCtr="0">
-            <a:noAutofit/>
-          </a:bodyPr>
-          <a:lstStyle>
-            <a:lvl1pPr marL="0" marR="0" lvl="0" indent="0" algn="r" rtl="0">
-              <a:spcBef>
-                <a:spcPts val="0"/>
-              </a:spcBef>
-              <a:spcAft>
-                <a:spcPts val="0"/>
-              </a:spcAft>
-              <a:buNone/>
-              <a:defRPr sz="1600">
-                <a:solidFill>
-                  <a:srgbClr val="FFFFFF"/>
-                </a:solidFill>
-              </a:defRPr>
-            </a:lvl1pPr>
-            <a:lvl2pPr marL="0" marR="0" lvl="1" indent="0" algn="r" rtl="0">
-              <a:spcBef>
-                <a:spcPts val="0"/>
-              </a:spcBef>
-              <a:spcAft>
-                <a:spcPts val="0"/>
-              </a:spcAft>
-              <a:buNone/>
-              <a:defRPr sz="1600">
-                <a:solidFill>
-                  <a:srgbClr val="FFFFFF"/>
-                </a:solidFill>
-              </a:defRPr>
-            </a:lvl2pPr>
-            <a:lvl3pPr marL="0" marR="0" lvl="2" indent="0" algn="r" rtl="0">
-              <a:spcBef>
-                <a:spcPts val="0"/>
-              </a:spcBef>
-              <a:spcAft>
-                <a:spcPts val="0"/>
-              </a:spcAft>
-              <a:buNone/>
-              <a:defRPr sz="1600">
-                <a:solidFill>
-                  <a:srgbClr val="FFFFFF"/>
-                </a:solidFill>
-              </a:defRPr>
-            </a:lvl3pPr>
-            <a:lvl4pPr marL="0" marR="0" lvl="3" indent="0" algn="r" rtl="0">
-              <a:spcBef>
-                <a:spcPts val="0"/>
-              </a:spcBef>
-              <a:spcAft>
-                <a:spcPts val="0"/>
-              </a:spcAft>
-              <a:buNone/>
-              <a:defRPr sz="1600">
-                <a:solidFill>
-                  <a:srgbClr val="FFFFFF"/>
-                </a:solidFill>
-              </a:defRPr>
-            </a:lvl4pPr>
-            <a:lvl5pPr marL="0" marR="0" lvl="4" indent="0" algn="r" rtl="0">
-              <a:spcBef>
-                <a:spcPts val="0"/>
-              </a:spcBef>
-              <a:spcAft>
-                <a:spcPts val="0"/>
-              </a:spcAft>
-              <a:buNone/>
-              <a:defRPr sz="1600">
-                <a:solidFill>
-                  <a:srgbClr val="FFFFFF"/>
-                </a:solidFill>
-              </a:defRPr>
-            </a:lvl5pPr>
-            <a:lvl6pPr marL="0" marR="0" lvl="5" indent="0" algn="r" rtl="0">
-              <a:spcBef>
-                <a:spcPts val="0"/>
-              </a:spcBef>
-              <a:spcAft>
-                <a:spcPts val="0"/>
-              </a:spcAft>
-              <a:buNone/>
-              <a:defRPr sz="1600">
-                <a:solidFill>
-                  <a:srgbClr val="FFFFFF"/>
-                </a:solidFill>
-              </a:defRPr>
-            </a:lvl6pPr>
-            <a:lvl7pPr marL="0" marR="0" lvl="6" indent="0" algn="r" rtl="0">
-              <a:spcBef>
-                <a:spcPts val="0"/>
-              </a:spcBef>
-              <a:spcAft>
-                <a:spcPts val="0"/>
-              </a:spcAft>
-              <a:buNone/>
-              <a:defRPr sz="1600">
-                <a:solidFill>
-                  <a:srgbClr val="FFFFFF"/>
-                </a:solidFill>
-              </a:defRPr>
-            </a:lvl7pPr>
-            <a:lvl8pPr marL="0" marR="0" lvl="7" indent="0" algn="r" rtl="0">
-              <a:spcBef>
-                <a:spcPts val="0"/>
-              </a:spcBef>
-              <a:spcAft>
-                <a:spcPts val="0"/>
-              </a:spcAft>
-              <a:buNone/>
-              <a:defRPr sz="1600">
-                <a:solidFill>
-                  <a:srgbClr val="FFFFFF"/>
-                </a:solidFill>
-              </a:defRPr>
-            </a:lvl8pPr>
-            <a:lvl9pPr marL="0" marR="0" lvl="8" indent="0" algn="r" rtl="0">
-              <a:spcBef>
-                <a:spcPts val="0"/>
-              </a:spcBef>
-              <a:spcAft>
-                <a:spcPts val="0"/>
-              </a:spcAft>
-              <a:buNone/>
-              <a:defRPr sz="1600">
-                <a:solidFill>
-                  <a:srgbClr val="FFFFFF"/>
-                </a:solidFill>
-              </a:defRPr>
-            </a:lvl9pPr>
-          </a:lstStyle>
-          <a:p>
-            <a:fld id="{00000000-1234-1234-1234-123412341234}" type="slidenum">
-              <a:rPr lang="en" smtClean="0"/>
-              <a:pPr/>
-              <a:t>‹#›</a:t>
-            </a:fld>
-            <a:endParaRPr lang="en"/>
-          </a:p>
-        </p:txBody>
-      </p:sp>
-    </p:spTree>
-    <p:extLst>
-      <p:ext uri="{BB962C8B-B14F-4D97-AF65-F5344CB8AC3E}">
-        <p14:creationId xmlns:p14="http://schemas.microsoft.com/office/powerpoint/2010/main" val="3058462547"/>
-      </p:ext>
-    </p:extLst>
-  </p:cSld>
-  <p:clrMapOvr>
-    <a:masterClrMapping/>
-  </p:clrMapOvr>
-</p:sldLayout>
-</file>
-
 <file path=ppt/slideMasters/slideMaster1.xml><?xml version="1.0" encoding="utf-8"?>
 <p:sldMaster xmlns:a="http://schemas.openxmlformats.org/drawingml/2006/main" xmlns:r="http://schemas.openxmlformats.org/officeDocument/2006/relationships" xmlns:p="http://schemas.openxmlformats.org/presentationml/2006/main">
   <p:cSld>
@@ -8812,7 +7759,7 @@
           <p:nvPr userDrawn="1"/>
         </p:nvPicPr>
         <p:blipFill>
-          <a:blip r:embed="rId11"/>
+          <a:blip r:embed="rId10"/>
           <a:stretch>
             <a:fillRect/>
           </a:stretch>
@@ -8842,7 +7789,7 @@
           <p:nvPr userDrawn="1"/>
         </p:nvPicPr>
         <p:blipFill>
-          <a:blip r:embed="rId12"/>
+          <a:blip r:embed="rId11"/>
           <a:stretch>
             <a:fillRect/>
           </a:stretch>
@@ -8874,7 +7821,6 @@
     <p:sldLayoutId id="2147483656" r:id="rId6"/>
     <p:sldLayoutId id="2147483662" r:id="rId7"/>
     <p:sldLayoutId id="2147483661" r:id="rId8"/>
-    <p:sldLayoutId id="2147483667" r:id="rId9"/>
   </p:sldLayoutIdLst>
   <p:txStyles>
     <p:titleStyle>
@@ -11672,14 +10618,14 @@
           <p:nvPr>
             <p:extLst>
               <p:ext uri="{D42A27DB-BD31-4B8C-83A1-F6EECF244321}">
-                <p14:modId xmlns:p14="http://schemas.microsoft.com/office/powerpoint/2010/main" val="2613794033"/>
+                <p14:modId xmlns:p14="http://schemas.microsoft.com/office/powerpoint/2010/main" val="1865383957"/>
               </p:ext>
             </p:extLst>
           </p:nvPr>
         </p:nvGraphicFramePr>
         <p:xfrm>
           <a:off x="5864086" y="1523339"/>
-          <a:ext cx="5317435" cy="2178524"/>
+          <a:ext cx="5727279" cy="1980205"/>
         </p:xfrm>
         <a:graphic>
           <a:graphicData uri="http://schemas.openxmlformats.org/drawingml/2006/table">
@@ -11688,42 +10634,42 @@
                 <a:tableStyleId>{5C22544A-7EE6-4342-B048-85BDC9FD1C3A}</a:tableStyleId>
               </a:tblPr>
               <a:tblGrid>
-                <a:gridCol w="410588">
+                <a:gridCol w="302895">
                   <a:extLst>
                     <a:ext uri="{9D8B030D-6E8A-4147-A177-3AD203B41FA5}">
                       <a16:colId xmlns:a16="http://schemas.microsoft.com/office/drawing/2014/main" val="1190371758"/>
                     </a:ext>
                   </a:extLst>
                 </a:gridCol>
-                <a:gridCol w="1021571">
+                <a:gridCol w="1239648">
                   <a:extLst>
                     <a:ext uri="{9D8B030D-6E8A-4147-A177-3AD203B41FA5}">
                       <a16:colId xmlns:a16="http://schemas.microsoft.com/office/drawing/2014/main" val="1997368196"/>
                     </a:ext>
                   </a:extLst>
                 </a:gridCol>
-                <a:gridCol w="793026">
+                <a:gridCol w="854149">
                   <a:extLst>
                     <a:ext uri="{9D8B030D-6E8A-4147-A177-3AD203B41FA5}">
                       <a16:colId xmlns:a16="http://schemas.microsoft.com/office/drawing/2014/main" val="2965102608"/>
                     </a:ext>
                   </a:extLst>
                 </a:gridCol>
-                <a:gridCol w="1120700">
+                <a:gridCol w="1207079">
                   <a:extLst>
                     <a:ext uri="{9D8B030D-6E8A-4147-A177-3AD203B41FA5}">
                       <a16:colId xmlns:a16="http://schemas.microsoft.com/office/drawing/2014/main" val="374647292"/>
                     </a:ext>
                   </a:extLst>
                 </a:gridCol>
-                <a:gridCol w="1085311">
+                <a:gridCol w="1168962">
                   <a:extLst>
                     <a:ext uri="{9D8B030D-6E8A-4147-A177-3AD203B41FA5}">
                       <a16:colId xmlns:a16="http://schemas.microsoft.com/office/drawing/2014/main" val="1134094558"/>
                     </a:ext>
                   </a:extLst>
                 </a:gridCol>
-                <a:gridCol w="886239">
+                <a:gridCol w="954546">
                   <a:extLst>
                     <a:ext uri="{9D8B030D-6E8A-4147-A177-3AD203B41FA5}">
                       <a16:colId xmlns:a16="http://schemas.microsoft.com/office/drawing/2014/main" val="551863053"/>
@@ -11748,7 +10694,7 @@
                       </a:r>
                     </a:p>
                   </a:txBody>
-                  <a:tcPr anchor="ctr"/>
+                  <a:tcPr marL="0" marR="0" marT="0" marB="0" anchor="ctr"/>
                 </a:tc>
                 <a:tc>
                   <a:txBody>
@@ -11757,7 +10703,7 @@
                     <a:p>
                       <a:pPr algn="ctr"/>
                       <a:r>
-                        <a:rPr lang="en-US" sz="1100" dirty="0">
+                        <a:rPr lang="en-US" sz="900" dirty="0">
                           <a:solidFill>
                             <a:schemeClr val="tx1"/>
                           </a:solidFill>
@@ -11768,7 +10714,7 @@
                     <a:p>
                       <a:pPr algn="ctr"/>
                       <a:r>
-                        <a:rPr lang="en-US" sz="1100" dirty="0">
+                        <a:rPr lang="en-US" sz="900" dirty="0">
                           <a:solidFill>
                             <a:schemeClr val="tx1"/>
                           </a:solidFill>
@@ -11777,7 +10723,7 @@
                       </a:r>
                     </a:p>
                   </a:txBody>
-                  <a:tcPr anchor="ctr"/>
+                  <a:tcPr marL="0" marR="0" marT="0" marB="0" anchor="ctr"/>
                 </a:tc>
                 <a:tc>
                   <a:txBody>
@@ -11786,7 +10732,7 @@
                     <a:p>
                       <a:pPr algn="ctr"/>
                       <a:r>
-                        <a:rPr lang="en-US" sz="1100" dirty="0">
+                        <a:rPr lang="en-US" sz="900" dirty="0">
                           <a:solidFill>
                             <a:schemeClr val="tx1"/>
                           </a:solidFill>
@@ -11795,7 +10741,7 @@
                       </a:r>
                     </a:p>
                   </a:txBody>
-                  <a:tcPr anchor="ctr"/>
+                  <a:tcPr marL="0" marR="0" marT="0" marB="0" anchor="ctr"/>
                 </a:tc>
                 <a:tc>
                   <a:txBody>
@@ -11804,7 +10750,7 @@
                     <a:p>
                       <a:pPr algn="ctr"/>
                       <a:r>
-                        <a:rPr lang="en-US" sz="1100" dirty="0">
+                        <a:rPr lang="en-US" sz="900" dirty="0">
                           <a:solidFill>
                             <a:schemeClr val="tx1"/>
                           </a:solidFill>
@@ -11813,7 +10759,7 @@
                       </a:r>
                     </a:p>
                   </a:txBody>
-                  <a:tcPr anchor="ctr"/>
+                  <a:tcPr marL="0" marR="0" marT="0" marB="0" anchor="ctr"/>
                 </a:tc>
                 <a:tc>
                   <a:txBody>
@@ -11822,7 +10768,7 @@
                     <a:p>
                       <a:pPr algn="ctr"/>
                       <a:r>
-                        <a:rPr lang="en-US" sz="1100" dirty="0">
+                        <a:rPr lang="en-US" sz="900" dirty="0">
                           <a:solidFill>
                             <a:schemeClr val="tx1"/>
                           </a:solidFill>
@@ -11831,7 +10777,7 @@
                       </a:r>
                     </a:p>
                   </a:txBody>
-                  <a:tcPr anchor="ctr"/>
+                  <a:tcPr marL="0" marR="0" marT="0" marB="0" anchor="ctr"/>
                 </a:tc>
                 <a:tc>
                   <a:txBody>
@@ -11860,7 +10806,7 @@
                       </a:r>
                     </a:p>
                   </a:txBody>
-                  <a:tcPr anchor="ctr"/>
+                  <a:tcPr marL="0" marR="0" marT="0" marB="0" anchor="ctr"/>
                 </a:tc>
                 <a:extLst>
                   <a:ext uri="{0D108BD9-81ED-4DB2-BD59-A6C34878D82A}">
@@ -11876,12 +10822,12 @@
                     <a:p>
                       <a:pPr algn="ctr"/>
                       <a:r>
-                        <a:rPr lang="en-US" sz="1100" b="1" dirty="0"/>
+                        <a:rPr lang="en-US" sz="1600" b="1" dirty="0"/>
                         <a:t>1</a:t>
                       </a:r>
                     </a:p>
                   </a:txBody>
-                  <a:tcPr anchor="ctr"/>
+                  <a:tcPr marL="0" marR="0" marT="0" marB="0" anchor="ctr"/>
                 </a:tc>
                 <a:tc>
                   <a:txBody>
@@ -11890,12 +10836,12 @@
                     <a:p>
                       <a:pPr algn="ctr"/>
                       <a:r>
-                        <a:rPr lang="en-US" sz="1100" b="1" dirty="0"/>
+                        <a:rPr lang="en-US" sz="1600" b="1" dirty="0"/>
                         <a:t>60</a:t>
                       </a:r>
                     </a:p>
                   </a:txBody>
-                  <a:tcPr anchor="ctr"/>
+                  <a:tcPr marL="0" marR="0" marT="0" marB="0" anchor="ctr"/>
                 </a:tc>
                 <a:tc>
                   <a:txBody>
@@ -11904,12 +10850,12 @@
                     <a:p>
                       <a:pPr algn="ctr"/>
                       <a:r>
-                        <a:rPr lang="en-US" sz="1100" b="1" dirty="0"/>
+                        <a:rPr lang="en-US" sz="1600" b="1" dirty="0"/>
                         <a:t>8</a:t>
                       </a:r>
                     </a:p>
                   </a:txBody>
-                  <a:tcPr anchor="ctr"/>
+                  <a:tcPr marL="0" marR="0" marT="0" marB="0" anchor="ctr"/>
                 </a:tc>
                 <a:tc>
                   <a:txBody>
@@ -11918,12 +10864,12 @@
                     <a:p>
                       <a:pPr algn="ctr"/>
                       <a:r>
-                        <a:rPr lang="en-US" sz="1100" b="1" dirty="0"/>
+                        <a:rPr lang="en-US" sz="1600" b="1" dirty="0"/>
                         <a:t>5</a:t>
                       </a:r>
                     </a:p>
                   </a:txBody>
-                  <a:tcPr anchor="ctr"/>
+                  <a:tcPr marL="0" marR="0" marT="0" marB="0" anchor="ctr"/>
                 </a:tc>
                 <a:tc>
                   <a:txBody>
@@ -11932,12 +10878,12 @@
                     <a:p>
                       <a:pPr algn="ctr"/>
                       <a:r>
-                        <a:rPr lang="en-US" sz="1100" b="1" dirty="0"/>
+                        <a:rPr lang="en-US" sz="1600" b="1" dirty="0"/>
                         <a:t>Near bay</a:t>
                       </a:r>
                     </a:p>
                   </a:txBody>
-                  <a:tcPr anchor="ctr"/>
+                  <a:tcPr marL="0" marR="0" marT="0" marB="0" anchor="ctr"/>
                 </a:tc>
                 <a:tc>
                   <a:txBody>
@@ -11946,12 +10892,12 @@
                     <a:p>
                       <a:pPr algn="ctr"/>
                       <a:r>
-                        <a:rPr lang="en-US" sz="1100" b="1" dirty="0"/>
+                        <a:rPr lang="en-US" sz="1600" b="1" dirty="0"/>
                         <a:t>180k</a:t>
                       </a:r>
                     </a:p>
                   </a:txBody>
-                  <a:tcPr anchor="ctr"/>
+                  <a:tcPr marL="0" marR="0" marT="0" marB="0" anchor="ctr"/>
                 </a:tc>
                 <a:extLst>
                   <a:ext uri="{0D108BD9-81ED-4DB2-BD59-A6C34878D82A}">
@@ -11967,12 +10913,12 @@
                     <a:p>
                       <a:pPr algn="ctr"/>
                       <a:r>
-                        <a:rPr lang="en-US" sz="1100" b="1" dirty="0"/>
+                        <a:rPr lang="en-US" sz="1600" b="1" dirty="0"/>
                         <a:t>2</a:t>
                       </a:r>
                     </a:p>
                   </a:txBody>
-                  <a:tcPr anchor="ctr"/>
+                  <a:tcPr marL="0" marR="0" marT="0" marB="0" anchor="ctr"/>
                 </a:tc>
                 <a:tc>
                   <a:txBody>
@@ -11981,12 +10927,12 @@
                     <a:p>
                       <a:pPr algn="ctr"/>
                       <a:r>
-                        <a:rPr lang="en-US" sz="1100" b="1" dirty="0"/>
+                        <a:rPr lang="en-US" sz="1600" b="1" dirty="0"/>
                         <a:t>40</a:t>
                       </a:r>
                     </a:p>
                   </a:txBody>
-                  <a:tcPr anchor="ctr"/>
+                  <a:tcPr marL="0" marR="0" marT="0" marB="0" anchor="ctr"/>
                 </a:tc>
                 <a:tc>
                   <a:txBody>
@@ -11995,12 +10941,12 @@
                     <a:p>
                       <a:pPr algn="ctr"/>
                       <a:r>
-                        <a:rPr lang="en-US" sz="1100" b="1" dirty="0"/>
+                        <a:rPr lang="en-US" sz="1600" b="1" dirty="0"/>
                         <a:t>9</a:t>
                       </a:r>
                     </a:p>
                   </a:txBody>
-                  <a:tcPr anchor="ctr"/>
+                  <a:tcPr marL="0" marR="0" marT="0" marB="0" anchor="ctr"/>
                 </a:tc>
                 <a:tc>
                   <a:txBody>
@@ -12009,12 +10955,12 @@
                     <a:p>
                       <a:pPr algn="ctr"/>
                       <a:r>
-                        <a:rPr lang="en-US" sz="1100" b="1" dirty="0"/>
+                        <a:rPr lang="en-US" sz="1600" b="1" dirty="0"/>
                         <a:t>6</a:t>
                       </a:r>
                     </a:p>
                   </a:txBody>
-                  <a:tcPr anchor="ctr"/>
+                  <a:tcPr marL="0" marR="0" marT="0" marB="0" anchor="ctr"/>
                 </a:tc>
                 <a:tc>
                   <a:txBody>
@@ -12023,12 +10969,12 @@
                     <a:p>
                       <a:pPr algn="ctr"/>
                       <a:r>
-                        <a:rPr lang="en-US" sz="1100" b="1" dirty="0"/>
+                        <a:rPr lang="en-US" sz="1600" b="1" dirty="0"/>
                         <a:t>Near ocean</a:t>
                       </a:r>
                     </a:p>
                   </a:txBody>
-                  <a:tcPr anchor="ctr"/>
+                  <a:tcPr marL="0" marR="0" marT="0" marB="0" anchor="ctr"/>
                 </a:tc>
                 <a:tc>
                   <a:txBody>
@@ -12037,12 +10983,12 @@
                     <a:p>
                       <a:pPr algn="ctr"/>
                       <a:r>
-                        <a:rPr lang="en-US" sz="1100" b="1" dirty="0"/>
+                        <a:rPr lang="en-US" sz="1600" b="1" dirty="0"/>
                         <a:t>250k</a:t>
                       </a:r>
                     </a:p>
                   </a:txBody>
-                  <a:tcPr anchor="ctr"/>
+                  <a:tcPr marL="0" marR="0" marT="0" marB="0" anchor="ctr"/>
                 </a:tc>
                 <a:extLst>
                   <a:ext uri="{0D108BD9-81ED-4DB2-BD59-A6C34878D82A}">
@@ -12058,12 +11004,12 @@
                     <a:p>
                       <a:pPr algn="ctr"/>
                       <a:r>
-                        <a:rPr lang="en-US" sz="1100" b="1" dirty="0"/>
+                        <a:rPr lang="en-US" sz="1600" b="1" dirty="0"/>
                         <a:t>3</a:t>
                       </a:r>
                     </a:p>
                   </a:txBody>
-                  <a:tcPr anchor="ctr"/>
+                  <a:tcPr marL="0" marR="0" marT="0" marB="0" anchor="ctr"/>
                 </a:tc>
                 <a:tc>
                   <a:txBody>
@@ -12072,12 +11018,12 @@
                     <a:p>
                       <a:pPr algn="ctr"/>
                       <a:r>
-                        <a:rPr lang="en-US" sz="1100" b="1" dirty="0"/>
+                        <a:rPr lang="en-US" sz="1600" b="1" dirty="0"/>
                         <a:t>65</a:t>
                       </a:r>
                     </a:p>
                   </a:txBody>
-                  <a:tcPr anchor="ctr"/>
+                  <a:tcPr marL="0" marR="0" marT="0" marB="0" anchor="ctr"/>
                 </a:tc>
                 <a:tc>
                   <a:txBody>
@@ -12086,12 +11032,12 @@
                     <a:p>
                       <a:pPr algn="ctr"/>
                       <a:r>
-                        <a:rPr lang="en-US" sz="1100" b="1" dirty="0"/>
+                        <a:rPr lang="en-US" sz="1600" b="1" dirty="0"/>
                         <a:t>9</a:t>
                       </a:r>
                     </a:p>
                   </a:txBody>
-                  <a:tcPr anchor="ctr"/>
+                  <a:tcPr marL="0" marR="0" marT="0" marB="0" anchor="ctr"/>
                 </a:tc>
                 <a:tc>
                   <a:txBody>
@@ -12100,12 +11046,12 @@
                     <a:p>
                       <a:pPr algn="ctr"/>
                       <a:r>
-                        <a:rPr lang="en-US" sz="1100" b="1" dirty="0"/>
+                        <a:rPr lang="en-US" sz="1600" b="1" dirty="0"/>
                         <a:t>6</a:t>
                       </a:r>
                     </a:p>
                   </a:txBody>
-                  <a:tcPr anchor="ctr"/>
+                  <a:tcPr marL="0" marR="0" marT="0" marB="0" anchor="ctr"/>
                 </a:tc>
                 <a:tc>
                   <a:txBody>
@@ -12114,12 +11060,12 @@
                     <a:p>
                       <a:pPr algn="ctr"/>
                       <a:r>
-                        <a:rPr lang="en-US" sz="1100" b="1" dirty="0"/>
+                        <a:rPr lang="en-US" sz="1600" b="1" dirty="0"/>
                         <a:t>Near bay</a:t>
                       </a:r>
                     </a:p>
                   </a:txBody>
-                  <a:tcPr anchor="ctr"/>
+                  <a:tcPr marL="0" marR="0" marT="0" marB="0" anchor="ctr"/>
                 </a:tc>
                 <a:tc>
                   <a:txBody>
@@ -12128,12 +11074,12 @@
                     <a:p>
                       <a:pPr algn="ctr"/>
                       <a:r>
-                        <a:rPr lang="en-US" sz="1100" b="1" dirty="0"/>
+                        <a:rPr lang="en-US" sz="1600" b="1" dirty="0"/>
                         <a:t>170k</a:t>
                       </a:r>
                     </a:p>
                   </a:txBody>
-                  <a:tcPr anchor="ctr"/>
+                  <a:tcPr marL="0" marR="0" marT="0" marB="0" anchor="ctr"/>
                 </a:tc>
                 <a:extLst>
                   <a:ext uri="{0D108BD9-81ED-4DB2-BD59-A6C34878D82A}">
@@ -12149,12 +11095,12 @@
                     <a:p>
                       <a:pPr algn="ctr"/>
                       <a:r>
-                        <a:rPr lang="en-US" sz="1100" b="1" dirty="0"/>
+                        <a:rPr lang="en-US" sz="1600" b="1" dirty="0"/>
                         <a:t>4</a:t>
                       </a:r>
                     </a:p>
                   </a:txBody>
-                  <a:tcPr anchor="ctr"/>
+                  <a:tcPr marL="0" marR="0" marT="0" marB="0" anchor="ctr"/>
                 </a:tc>
                 <a:tc>
                   <a:txBody>
@@ -12163,12 +11109,12 @@
                     <a:p>
                       <a:pPr algn="ctr"/>
                       <a:r>
-                        <a:rPr lang="en-US" sz="1100" b="1" dirty="0"/>
+                        <a:rPr lang="en-US" sz="1600" b="1" dirty="0"/>
                         <a:t>83</a:t>
                       </a:r>
                     </a:p>
                   </a:txBody>
-                  <a:tcPr anchor="ctr"/>
+                  <a:tcPr marL="0" marR="0" marT="0" marB="0" anchor="ctr"/>
                 </a:tc>
                 <a:tc>
                   <a:txBody>
@@ -12177,12 +11123,12 @@
                     <a:p>
                       <a:pPr algn="ctr"/>
                       <a:r>
-                        <a:rPr lang="en-US" sz="1100" b="1" dirty="0"/>
+                        <a:rPr lang="en-US" sz="1600" b="1" dirty="0"/>
                         <a:t>6</a:t>
                       </a:r>
                     </a:p>
                   </a:txBody>
-                  <a:tcPr anchor="ctr"/>
+                  <a:tcPr marL="0" marR="0" marT="0" marB="0" anchor="ctr"/>
                 </a:tc>
                 <a:tc>
                   <a:txBody>
@@ -12191,12 +11137,12 @@
                     <a:p>
                       <a:pPr algn="ctr"/>
                       <a:r>
-                        <a:rPr lang="en-US" sz="1100" b="1" dirty="0"/>
+                        <a:rPr lang="en-US" sz="1600" b="1" dirty="0"/>
                         <a:t>4</a:t>
                       </a:r>
                     </a:p>
                   </a:txBody>
-                  <a:tcPr anchor="ctr"/>
+                  <a:tcPr marL="0" marR="0" marT="0" marB="0" anchor="ctr"/>
                 </a:tc>
                 <a:tc>
                   <a:txBody>
@@ -12205,12 +11151,12 @@
                     <a:p>
                       <a:pPr algn="ctr"/>
                       <a:r>
-                        <a:rPr lang="en-US" sz="1100" b="1" dirty="0"/>
+                        <a:rPr lang="en-US" sz="1600" b="1" dirty="0"/>
                         <a:t>Inland</a:t>
                       </a:r>
                     </a:p>
                   </a:txBody>
-                  <a:tcPr anchor="ctr"/>
+                  <a:tcPr marL="0" marR="0" marT="0" marB="0" anchor="ctr"/>
                 </a:tc>
                 <a:tc>
                   <a:txBody>
@@ -12219,12 +11165,12 @@
                     <a:p>
                       <a:pPr algn="ctr"/>
                       <a:r>
-                        <a:rPr lang="en-US" sz="1100" b="1" dirty="0"/>
+                        <a:rPr lang="en-US" sz="1600" b="1" dirty="0"/>
                         <a:t>140k</a:t>
                       </a:r>
                     </a:p>
                   </a:txBody>
-                  <a:tcPr anchor="ctr"/>
+                  <a:tcPr marL="0" marR="0" marT="0" marB="0" anchor="ctr"/>
                 </a:tc>
                 <a:extLst>
                   <a:ext uri="{0D108BD9-81ED-4DB2-BD59-A6C34878D82A}">
@@ -13200,585 +12146,6 @@
           </a:p>
         </p:txBody>
       </p:sp>
-      <p:graphicFrame>
-        <p:nvGraphicFramePr>
-          <p:cNvPr id="18" name="Table 17">
-            <a:extLst>
-              <a:ext uri="{FF2B5EF4-FFF2-40B4-BE49-F238E27FC236}">
-                <a16:creationId xmlns:a16="http://schemas.microsoft.com/office/drawing/2014/main" id="{F16F0FDD-0963-4256-9E57-019C27026F33}"/>
-              </a:ext>
-            </a:extLst>
-          </p:cNvPr>
-          <p:cNvGraphicFramePr>
-            <a:graphicFrameLocks noGrp="1"/>
-          </p:cNvGraphicFramePr>
-          <p:nvPr>
-            <p:extLst>
-              <p:ext uri="{D42A27DB-BD31-4B8C-83A1-F6EECF244321}">
-                <p14:modId xmlns:p14="http://schemas.microsoft.com/office/powerpoint/2010/main" val="3816971408"/>
-              </p:ext>
-            </p:extLst>
-          </p:nvPr>
-        </p:nvGraphicFramePr>
-        <p:xfrm>
-          <a:off x="5864086" y="1523339"/>
-          <a:ext cx="5317435" cy="2300643"/>
-        </p:xfrm>
-        <a:graphic>
-          <a:graphicData uri="http://schemas.openxmlformats.org/drawingml/2006/table">
-            <a:tbl>
-              <a:tblPr firstRow="1" bandRow="1">
-                <a:tableStyleId>{5C22544A-7EE6-4342-B048-85BDC9FD1C3A}</a:tableStyleId>
-              </a:tblPr>
-              <a:tblGrid>
-                <a:gridCol w="410588">
-                  <a:extLst>
-                    <a:ext uri="{9D8B030D-6E8A-4147-A177-3AD203B41FA5}">
-                      <a16:colId xmlns:a16="http://schemas.microsoft.com/office/drawing/2014/main" val="1190371758"/>
-                    </a:ext>
-                  </a:extLst>
-                </a:gridCol>
-                <a:gridCol w="1021571">
-                  <a:extLst>
-                    <a:ext uri="{9D8B030D-6E8A-4147-A177-3AD203B41FA5}">
-                      <a16:colId xmlns:a16="http://schemas.microsoft.com/office/drawing/2014/main" val="1997368196"/>
-                    </a:ext>
-                  </a:extLst>
-                </a:gridCol>
-                <a:gridCol w="793026">
-                  <a:extLst>
-                    <a:ext uri="{9D8B030D-6E8A-4147-A177-3AD203B41FA5}">
-                      <a16:colId xmlns:a16="http://schemas.microsoft.com/office/drawing/2014/main" val="2965102608"/>
-                    </a:ext>
-                  </a:extLst>
-                </a:gridCol>
-                <a:gridCol w="1120700">
-                  <a:extLst>
-                    <a:ext uri="{9D8B030D-6E8A-4147-A177-3AD203B41FA5}">
-                      <a16:colId xmlns:a16="http://schemas.microsoft.com/office/drawing/2014/main" val="374647292"/>
-                    </a:ext>
-                  </a:extLst>
-                </a:gridCol>
-                <a:gridCol w="1085311">
-                  <a:extLst>
-                    <a:ext uri="{9D8B030D-6E8A-4147-A177-3AD203B41FA5}">
-                      <a16:colId xmlns:a16="http://schemas.microsoft.com/office/drawing/2014/main" val="1134094558"/>
-                    </a:ext>
-                  </a:extLst>
-                </a:gridCol>
-                <a:gridCol w="886239">
-                  <a:extLst>
-                    <a:ext uri="{9D8B030D-6E8A-4147-A177-3AD203B41FA5}">
-                      <a16:colId xmlns:a16="http://schemas.microsoft.com/office/drawing/2014/main" val="551863053"/>
-                    </a:ext>
-                  </a:extLst>
-                </a:gridCol>
-              </a:tblGrid>
-              <a:tr h="396041">
-                <a:tc>
-                  <a:txBody>
-                    <a:bodyPr/>
-                    <a:lstStyle/>
-                    <a:p>
-                      <a:pPr algn="ctr"/>
-                      <a:r>
-                        <a:rPr lang="en-US" sz="1100" dirty="0">
-                          <a:solidFill>
-                            <a:schemeClr val="tx1"/>
-                          </a:solidFill>
-                        </a:rPr>
-                        <a:t>ID</a:t>
-                      </a:r>
-                    </a:p>
-                  </a:txBody>
-                  <a:tcPr anchor="ctr"/>
-                </a:tc>
-                <a:tc>
-                  <a:txBody>
-                    <a:bodyPr/>
-                    <a:lstStyle/>
-                    <a:p>
-                      <a:pPr algn="ctr"/>
-                      <a:r>
-                        <a:rPr lang="en-US" sz="1100" dirty="0">
-                          <a:solidFill>
-                            <a:schemeClr val="tx1"/>
-                          </a:solidFill>
-                        </a:rPr>
-                        <a:t>house_median</a:t>
-                      </a:r>
-                    </a:p>
-                    <a:p>
-                      <a:pPr algn="ctr"/>
-                      <a:r>
-                        <a:rPr lang="en-US" sz="1100" dirty="0">
-                          <a:solidFill>
-                            <a:schemeClr val="tx1"/>
-                          </a:solidFill>
-                        </a:rPr>
-                        <a:t>Age (yrs)</a:t>
-                      </a:r>
-                    </a:p>
-                  </a:txBody>
-                  <a:tcPr anchor="ctr"/>
-                </a:tc>
-                <a:tc>
-                  <a:txBody>
-                    <a:bodyPr/>
-                    <a:lstStyle/>
-                    <a:p>
-                      <a:pPr algn="ctr"/>
-                      <a:r>
-                        <a:rPr lang="en-US" sz="1100" dirty="0">
-                          <a:solidFill>
-                            <a:schemeClr val="tx1"/>
-                          </a:solidFill>
-                        </a:rPr>
-                        <a:t>Total_rooms</a:t>
-                      </a:r>
-                    </a:p>
-                  </a:txBody>
-                  <a:tcPr anchor="ctr"/>
-                </a:tc>
-                <a:tc>
-                  <a:txBody>
-                    <a:bodyPr/>
-                    <a:lstStyle/>
-                    <a:p>
-                      <a:pPr algn="ctr"/>
-                      <a:r>
-                        <a:rPr lang="en-US" sz="1100" dirty="0">
-                          <a:solidFill>
-                            <a:schemeClr val="tx1"/>
-                          </a:solidFill>
-                        </a:rPr>
-                        <a:t>Total_bedrooms</a:t>
-                      </a:r>
-                    </a:p>
-                  </a:txBody>
-                  <a:tcPr anchor="ctr"/>
-                </a:tc>
-                <a:tc>
-                  <a:txBody>
-                    <a:bodyPr/>
-                    <a:lstStyle/>
-                    <a:p>
-                      <a:pPr algn="ctr"/>
-                      <a:r>
-                        <a:rPr lang="en-US" sz="1100" dirty="0">
-                          <a:solidFill>
-                            <a:schemeClr val="tx1"/>
-                          </a:solidFill>
-                        </a:rPr>
-                        <a:t>Ocean_proximity</a:t>
-                      </a:r>
-                    </a:p>
-                  </a:txBody>
-                  <a:tcPr anchor="ctr"/>
-                </a:tc>
-                <a:tc>
-                  <a:txBody>
-                    <a:bodyPr/>
-                    <a:lstStyle/>
-                    <a:p>
-                      <a:pPr algn="ctr"/>
-                      <a:r>
-                        <a:rPr lang="en-US" sz="1100" b="1" dirty="0">
-                          <a:solidFill>
-                            <a:schemeClr val="tx1"/>
-                          </a:solidFill>
-                        </a:rPr>
-                        <a:t>Median House </a:t>
-                      </a:r>
-                    </a:p>
-                    <a:p>
-                      <a:pPr algn="ctr"/>
-                      <a:r>
-                        <a:rPr lang="en-US" sz="1100" b="1" dirty="0">
-                          <a:solidFill>
-                            <a:schemeClr val="tx1"/>
-                          </a:solidFill>
-                        </a:rPr>
-                        <a:t>Value</a:t>
-                      </a:r>
-                    </a:p>
-                  </a:txBody>
-                  <a:tcPr anchor="ctr"/>
-                </a:tc>
-                <a:extLst>
-                  <a:ext uri="{0D108BD9-81ED-4DB2-BD59-A6C34878D82A}">
-                    <a16:rowId xmlns:a16="http://schemas.microsoft.com/office/drawing/2014/main" val="484594022"/>
-                  </a:ext>
-                </a:extLst>
-              </a:tr>
-              <a:tr h="396041">
-                <a:tc>
-                  <a:txBody>
-                    <a:bodyPr/>
-                    <a:lstStyle/>
-                    <a:p>
-                      <a:pPr algn="ctr"/>
-                      <a:r>
-                        <a:rPr lang="en-US" sz="1400" b="1" dirty="0"/>
-                        <a:t>1</a:t>
-                      </a:r>
-                    </a:p>
-                  </a:txBody>
-                  <a:tcPr anchor="ctr"/>
-                </a:tc>
-                <a:tc>
-                  <a:txBody>
-                    <a:bodyPr/>
-                    <a:lstStyle/>
-                    <a:p>
-                      <a:pPr algn="ctr"/>
-                      <a:r>
-                        <a:rPr lang="en-US" sz="1400" b="1" dirty="0"/>
-                        <a:t>60</a:t>
-                      </a:r>
-                    </a:p>
-                  </a:txBody>
-                  <a:tcPr anchor="ctr"/>
-                </a:tc>
-                <a:tc>
-                  <a:txBody>
-                    <a:bodyPr/>
-                    <a:lstStyle/>
-                    <a:p>
-                      <a:pPr algn="ctr"/>
-                      <a:r>
-                        <a:rPr lang="en-US" sz="1400" b="1" dirty="0"/>
-                        <a:t>8</a:t>
-                      </a:r>
-                    </a:p>
-                  </a:txBody>
-                  <a:tcPr anchor="ctr"/>
-                </a:tc>
-                <a:tc>
-                  <a:txBody>
-                    <a:bodyPr/>
-                    <a:lstStyle/>
-                    <a:p>
-                      <a:pPr algn="ctr"/>
-                      <a:r>
-                        <a:rPr lang="en-US" sz="1400" b="1" dirty="0"/>
-                        <a:t>5</a:t>
-                      </a:r>
-                    </a:p>
-                  </a:txBody>
-                  <a:tcPr anchor="ctr"/>
-                </a:tc>
-                <a:tc>
-                  <a:txBody>
-                    <a:bodyPr/>
-                    <a:lstStyle/>
-                    <a:p>
-                      <a:pPr algn="ctr"/>
-                      <a:r>
-                        <a:rPr lang="en-US" sz="1400" b="1" dirty="0"/>
-                        <a:t>Near bay</a:t>
-                      </a:r>
-                    </a:p>
-                  </a:txBody>
-                  <a:tcPr anchor="ctr"/>
-                </a:tc>
-                <a:tc>
-                  <a:txBody>
-                    <a:bodyPr/>
-                    <a:lstStyle/>
-                    <a:p>
-                      <a:pPr algn="ctr"/>
-                      <a:r>
-                        <a:rPr lang="en-US" sz="1400" b="1" dirty="0"/>
-                        <a:t>180k</a:t>
-                      </a:r>
-                    </a:p>
-                  </a:txBody>
-                  <a:tcPr anchor="ctr"/>
-                </a:tc>
-                <a:extLst>
-                  <a:ext uri="{0D108BD9-81ED-4DB2-BD59-A6C34878D82A}">
-                    <a16:rowId xmlns:a16="http://schemas.microsoft.com/office/drawing/2014/main" val="221256081"/>
-                  </a:ext>
-                </a:extLst>
-              </a:tr>
-              <a:tr h="396041">
-                <a:tc>
-                  <a:txBody>
-                    <a:bodyPr/>
-                    <a:lstStyle/>
-                    <a:p>
-                      <a:pPr algn="ctr"/>
-                      <a:r>
-                        <a:rPr lang="en-US" sz="1400" b="1" dirty="0"/>
-                        <a:t>2</a:t>
-                      </a:r>
-                    </a:p>
-                  </a:txBody>
-                  <a:tcPr anchor="ctr"/>
-                </a:tc>
-                <a:tc>
-                  <a:txBody>
-                    <a:bodyPr/>
-                    <a:lstStyle/>
-                    <a:p>
-                      <a:pPr algn="ctr"/>
-                      <a:r>
-                        <a:rPr lang="en-US" sz="1400" b="1" dirty="0"/>
-                        <a:t>40</a:t>
-                      </a:r>
-                    </a:p>
-                  </a:txBody>
-                  <a:tcPr anchor="ctr"/>
-                </a:tc>
-                <a:tc>
-                  <a:txBody>
-                    <a:bodyPr/>
-                    <a:lstStyle/>
-                    <a:p>
-                      <a:pPr algn="ctr"/>
-                      <a:r>
-                        <a:rPr lang="en-US" sz="1400" b="1" dirty="0"/>
-                        <a:t>9</a:t>
-                      </a:r>
-                    </a:p>
-                  </a:txBody>
-                  <a:tcPr anchor="ctr"/>
-                </a:tc>
-                <a:tc>
-                  <a:txBody>
-                    <a:bodyPr/>
-                    <a:lstStyle/>
-                    <a:p>
-                      <a:pPr algn="ctr"/>
-                      <a:r>
-                        <a:rPr lang="en-US" sz="1400" b="1" dirty="0"/>
-                        <a:t>6</a:t>
-                      </a:r>
-                    </a:p>
-                  </a:txBody>
-                  <a:tcPr anchor="ctr"/>
-                </a:tc>
-                <a:tc>
-                  <a:txBody>
-                    <a:bodyPr/>
-                    <a:lstStyle/>
-                    <a:p>
-                      <a:pPr algn="ctr"/>
-                      <a:r>
-                        <a:rPr lang="en-US" sz="1400" b="1" dirty="0"/>
-                        <a:t>Near ocean</a:t>
-                      </a:r>
-                    </a:p>
-                  </a:txBody>
-                  <a:tcPr anchor="ctr"/>
-                </a:tc>
-                <a:tc>
-                  <a:txBody>
-                    <a:bodyPr/>
-                    <a:lstStyle/>
-                    <a:p>
-                      <a:pPr algn="ctr"/>
-                      <a:r>
-                        <a:rPr lang="en-US" sz="1400" b="1" dirty="0"/>
-                        <a:t>250k</a:t>
-                      </a:r>
-                    </a:p>
-                  </a:txBody>
-                  <a:tcPr anchor="ctr"/>
-                </a:tc>
-                <a:extLst>
-                  <a:ext uri="{0D108BD9-81ED-4DB2-BD59-A6C34878D82A}">
-                    <a16:rowId xmlns:a16="http://schemas.microsoft.com/office/drawing/2014/main" val="4113619771"/>
-                  </a:ext>
-                </a:extLst>
-              </a:tr>
-              <a:tr h="396041">
-                <a:tc>
-                  <a:txBody>
-                    <a:bodyPr/>
-                    <a:lstStyle/>
-                    <a:p>
-                      <a:pPr algn="ctr"/>
-                      <a:r>
-                        <a:rPr lang="en-US" sz="1400" b="1" dirty="0"/>
-                        <a:t>3</a:t>
-                      </a:r>
-                    </a:p>
-                  </a:txBody>
-                  <a:tcPr anchor="ctr"/>
-                </a:tc>
-                <a:tc>
-                  <a:txBody>
-                    <a:bodyPr/>
-                    <a:lstStyle/>
-                    <a:p>
-                      <a:pPr algn="ctr"/>
-                      <a:r>
-                        <a:rPr lang="en-US" sz="1400" b="1" dirty="0"/>
-                        <a:t>65</a:t>
-                      </a:r>
-                    </a:p>
-                  </a:txBody>
-                  <a:tcPr anchor="ctr"/>
-                </a:tc>
-                <a:tc>
-                  <a:txBody>
-                    <a:bodyPr/>
-                    <a:lstStyle/>
-                    <a:p>
-                      <a:pPr algn="ctr"/>
-                      <a:r>
-                        <a:rPr lang="en-US" sz="1400" b="1" dirty="0"/>
-                        <a:t>9</a:t>
-                      </a:r>
-                    </a:p>
-                  </a:txBody>
-                  <a:tcPr anchor="ctr"/>
-                </a:tc>
-                <a:tc>
-                  <a:txBody>
-                    <a:bodyPr/>
-                    <a:lstStyle/>
-                    <a:p>
-                      <a:pPr algn="ctr"/>
-                      <a:r>
-                        <a:rPr lang="en-US" sz="1400" b="1" dirty="0"/>
-                        <a:t>6</a:t>
-                      </a:r>
-                    </a:p>
-                  </a:txBody>
-                  <a:tcPr anchor="ctr"/>
-                </a:tc>
-                <a:tc>
-                  <a:txBody>
-                    <a:bodyPr/>
-                    <a:lstStyle/>
-                    <a:p>
-                      <a:pPr algn="ctr"/>
-                      <a:r>
-                        <a:rPr lang="en-US" sz="1400" b="1" dirty="0"/>
-                        <a:t>Near bay</a:t>
-                      </a:r>
-                    </a:p>
-                  </a:txBody>
-                  <a:tcPr anchor="ctr"/>
-                </a:tc>
-                <a:tc>
-                  <a:txBody>
-                    <a:bodyPr/>
-                    <a:lstStyle/>
-                    <a:p>
-                      <a:pPr algn="ctr"/>
-                      <a:r>
-                        <a:rPr lang="en-US" sz="1400" b="1" dirty="0"/>
-                        <a:t>170k</a:t>
-                      </a:r>
-                    </a:p>
-                  </a:txBody>
-                  <a:tcPr anchor="ctr"/>
-                </a:tc>
-                <a:extLst>
-                  <a:ext uri="{0D108BD9-81ED-4DB2-BD59-A6C34878D82A}">
-                    <a16:rowId xmlns:a16="http://schemas.microsoft.com/office/drawing/2014/main" val="4248080489"/>
-                  </a:ext>
-                </a:extLst>
-              </a:tr>
-              <a:tr h="396041">
-                <a:tc>
-                  <a:txBody>
-                    <a:bodyPr/>
-                    <a:lstStyle/>
-                    <a:p>
-                      <a:pPr algn="ctr"/>
-                      <a:r>
-                        <a:rPr lang="en-US" sz="1400" b="1" dirty="0"/>
-                        <a:t>4</a:t>
-                      </a:r>
-                    </a:p>
-                  </a:txBody>
-                  <a:tcPr anchor="ctr"/>
-                </a:tc>
-                <a:tc>
-                  <a:txBody>
-                    <a:bodyPr/>
-                    <a:lstStyle/>
-                    <a:p>
-                      <a:pPr algn="ctr"/>
-                      <a:r>
-                        <a:rPr lang="en-US" sz="1400" b="1" dirty="0"/>
-                        <a:t>83</a:t>
-                      </a:r>
-                    </a:p>
-                  </a:txBody>
-                  <a:tcPr anchor="ctr"/>
-                </a:tc>
-                <a:tc>
-                  <a:txBody>
-                    <a:bodyPr/>
-                    <a:lstStyle/>
-                    <a:p>
-                      <a:pPr algn="ctr"/>
-                      <a:r>
-                        <a:rPr lang="en-US" sz="1400" b="1" dirty="0"/>
-                        <a:t>6</a:t>
-                      </a:r>
-                    </a:p>
-                  </a:txBody>
-                  <a:tcPr anchor="ctr"/>
-                </a:tc>
-                <a:tc>
-                  <a:txBody>
-                    <a:bodyPr/>
-                    <a:lstStyle/>
-                    <a:p>
-                      <a:pPr algn="ctr"/>
-                      <a:r>
-                        <a:rPr lang="en-US" sz="1400" b="1" dirty="0"/>
-                        <a:t>4</a:t>
-                      </a:r>
-                    </a:p>
-                  </a:txBody>
-                  <a:tcPr anchor="ctr"/>
-                </a:tc>
-                <a:tc>
-                  <a:txBody>
-                    <a:bodyPr/>
-                    <a:lstStyle/>
-                    <a:p>
-                      <a:pPr algn="ctr"/>
-                      <a:r>
-                        <a:rPr lang="en-US" sz="1400" b="1" dirty="0"/>
-                        <a:t>Inland</a:t>
-                      </a:r>
-                    </a:p>
-                  </a:txBody>
-                  <a:tcPr anchor="ctr"/>
-                </a:tc>
-                <a:tc>
-                  <a:txBody>
-                    <a:bodyPr/>
-                    <a:lstStyle/>
-                    <a:p>
-                      <a:pPr algn="ctr"/>
-                      <a:r>
-                        <a:rPr lang="en-US" sz="1400" b="1" dirty="0"/>
-                        <a:t>140k</a:t>
-                      </a:r>
-                    </a:p>
-                  </a:txBody>
-                  <a:tcPr anchor="ctr"/>
-                </a:tc>
-                <a:extLst>
-                  <a:ext uri="{0D108BD9-81ED-4DB2-BD59-A6C34878D82A}">
-                    <a16:rowId xmlns:a16="http://schemas.microsoft.com/office/drawing/2014/main" val="1706522073"/>
-                  </a:ext>
-                </a:extLst>
-              </a:tr>
-            </a:tbl>
-          </a:graphicData>
-        </a:graphic>
-      </p:graphicFrame>
       <p:sp>
         <p:nvSpPr>
           <p:cNvPr id="26" name="Rectangle: Rounded Corners 25">
@@ -14669,6 +13036,585 @@
           </a:p>
         </p:txBody>
       </p:sp>
+      <p:graphicFrame>
+        <p:nvGraphicFramePr>
+          <p:cNvPr id="2" name="Table 1">
+            <a:extLst>
+              <a:ext uri="{FF2B5EF4-FFF2-40B4-BE49-F238E27FC236}">
+                <a16:creationId xmlns:a16="http://schemas.microsoft.com/office/drawing/2014/main" id="{978770CA-4245-877C-781B-A2C9E4E0571A}"/>
+              </a:ext>
+            </a:extLst>
+          </p:cNvPr>
+          <p:cNvGraphicFramePr>
+            <a:graphicFrameLocks noGrp="1"/>
+          </p:cNvGraphicFramePr>
+          <p:nvPr>
+            <p:extLst>
+              <p:ext uri="{D42A27DB-BD31-4B8C-83A1-F6EECF244321}">
+                <p14:modId xmlns:p14="http://schemas.microsoft.com/office/powerpoint/2010/main" val="767310633"/>
+              </p:ext>
+            </p:extLst>
+          </p:nvPr>
+        </p:nvGraphicFramePr>
+        <p:xfrm>
+          <a:off x="5864086" y="1523339"/>
+          <a:ext cx="5727279" cy="1980205"/>
+        </p:xfrm>
+        <a:graphic>
+          <a:graphicData uri="http://schemas.openxmlformats.org/drawingml/2006/table">
+            <a:tbl>
+              <a:tblPr firstRow="1" bandRow="1">
+                <a:tableStyleId>{5C22544A-7EE6-4342-B048-85BDC9FD1C3A}</a:tableStyleId>
+              </a:tblPr>
+              <a:tblGrid>
+                <a:gridCol w="302895">
+                  <a:extLst>
+                    <a:ext uri="{9D8B030D-6E8A-4147-A177-3AD203B41FA5}">
+                      <a16:colId xmlns:a16="http://schemas.microsoft.com/office/drawing/2014/main" val="1190371758"/>
+                    </a:ext>
+                  </a:extLst>
+                </a:gridCol>
+                <a:gridCol w="1239648">
+                  <a:extLst>
+                    <a:ext uri="{9D8B030D-6E8A-4147-A177-3AD203B41FA5}">
+                      <a16:colId xmlns:a16="http://schemas.microsoft.com/office/drawing/2014/main" val="1997368196"/>
+                    </a:ext>
+                  </a:extLst>
+                </a:gridCol>
+                <a:gridCol w="854149">
+                  <a:extLst>
+                    <a:ext uri="{9D8B030D-6E8A-4147-A177-3AD203B41FA5}">
+                      <a16:colId xmlns:a16="http://schemas.microsoft.com/office/drawing/2014/main" val="2965102608"/>
+                    </a:ext>
+                  </a:extLst>
+                </a:gridCol>
+                <a:gridCol w="1207079">
+                  <a:extLst>
+                    <a:ext uri="{9D8B030D-6E8A-4147-A177-3AD203B41FA5}">
+                      <a16:colId xmlns:a16="http://schemas.microsoft.com/office/drawing/2014/main" val="374647292"/>
+                    </a:ext>
+                  </a:extLst>
+                </a:gridCol>
+                <a:gridCol w="1168962">
+                  <a:extLst>
+                    <a:ext uri="{9D8B030D-6E8A-4147-A177-3AD203B41FA5}">
+                      <a16:colId xmlns:a16="http://schemas.microsoft.com/office/drawing/2014/main" val="1134094558"/>
+                    </a:ext>
+                  </a:extLst>
+                </a:gridCol>
+                <a:gridCol w="954546">
+                  <a:extLst>
+                    <a:ext uri="{9D8B030D-6E8A-4147-A177-3AD203B41FA5}">
+                      <a16:colId xmlns:a16="http://schemas.microsoft.com/office/drawing/2014/main" val="551863053"/>
+                    </a:ext>
+                  </a:extLst>
+                </a:gridCol>
+              </a:tblGrid>
+              <a:tr h="396041">
+                <a:tc>
+                  <a:txBody>
+                    <a:bodyPr/>
+                    <a:lstStyle/>
+                    <a:p>
+                      <a:pPr algn="ctr"/>
+                      <a:r>
+                        <a:rPr lang="en-US" sz="1100" dirty="0">
+                          <a:solidFill>
+                            <a:schemeClr val="tx1"/>
+                          </a:solidFill>
+                        </a:rPr>
+                        <a:t>ID</a:t>
+                      </a:r>
+                    </a:p>
+                  </a:txBody>
+                  <a:tcPr marL="0" marR="0" marT="0" marB="0" anchor="ctr"/>
+                </a:tc>
+                <a:tc>
+                  <a:txBody>
+                    <a:bodyPr/>
+                    <a:lstStyle/>
+                    <a:p>
+                      <a:pPr algn="ctr"/>
+                      <a:r>
+                        <a:rPr lang="en-US" sz="900" dirty="0">
+                          <a:solidFill>
+                            <a:schemeClr val="tx1"/>
+                          </a:solidFill>
+                        </a:rPr>
+                        <a:t>house_median</a:t>
+                      </a:r>
+                    </a:p>
+                    <a:p>
+                      <a:pPr algn="ctr"/>
+                      <a:r>
+                        <a:rPr lang="en-US" sz="900" dirty="0">
+                          <a:solidFill>
+                            <a:schemeClr val="tx1"/>
+                          </a:solidFill>
+                        </a:rPr>
+                        <a:t>Age (yrs)</a:t>
+                      </a:r>
+                    </a:p>
+                  </a:txBody>
+                  <a:tcPr marL="0" marR="0" marT="0" marB="0" anchor="ctr"/>
+                </a:tc>
+                <a:tc>
+                  <a:txBody>
+                    <a:bodyPr/>
+                    <a:lstStyle/>
+                    <a:p>
+                      <a:pPr algn="ctr"/>
+                      <a:r>
+                        <a:rPr lang="en-US" sz="900" dirty="0">
+                          <a:solidFill>
+                            <a:schemeClr val="tx1"/>
+                          </a:solidFill>
+                        </a:rPr>
+                        <a:t>Total_rooms</a:t>
+                      </a:r>
+                    </a:p>
+                  </a:txBody>
+                  <a:tcPr marL="0" marR="0" marT="0" marB="0" anchor="ctr"/>
+                </a:tc>
+                <a:tc>
+                  <a:txBody>
+                    <a:bodyPr/>
+                    <a:lstStyle/>
+                    <a:p>
+                      <a:pPr algn="ctr"/>
+                      <a:r>
+                        <a:rPr lang="en-US" sz="900" dirty="0">
+                          <a:solidFill>
+                            <a:schemeClr val="tx1"/>
+                          </a:solidFill>
+                        </a:rPr>
+                        <a:t>Total_bedrooms</a:t>
+                      </a:r>
+                    </a:p>
+                  </a:txBody>
+                  <a:tcPr marL="0" marR="0" marT="0" marB="0" anchor="ctr"/>
+                </a:tc>
+                <a:tc>
+                  <a:txBody>
+                    <a:bodyPr/>
+                    <a:lstStyle/>
+                    <a:p>
+                      <a:pPr algn="ctr"/>
+                      <a:r>
+                        <a:rPr lang="en-US" sz="900" dirty="0">
+                          <a:solidFill>
+                            <a:schemeClr val="tx1"/>
+                          </a:solidFill>
+                        </a:rPr>
+                        <a:t>Ocean_proximity</a:t>
+                      </a:r>
+                    </a:p>
+                  </a:txBody>
+                  <a:tcPr marL="0" marR="0" marT="0" marB="0" anchor="ctr"/>
+                </a:tc>
+                <a:tc>
+                  <a:txBody>
+                    <a:bodyPr/>
+                    <a:lstStyle/>
+                    <a:p>
+                      <a:pPr algn="ctr"/>
+                      <a:r>
+                        <a:rPr lang="en-US" sz="1100" b="1" dirty="0">
+                          <a:solidFill>
+                            <a:schemeClr val="tx1"/>
+                          </a:solidFill>
+                        </a:rPr>
+                        <a:t>Median House </a:t>
+                      </a:r>
+                    </a:p>
+                    <a:p>
+                      <a:pPr algn="ctr"/>
+                      <a:r>
+                        <a:rPr lang="en-US" sz="1100" b="1" dirty="0">
+                          <a:solidFill>
+                            <a:schemeClr val="tx1"/>
+                          </a:solidFill>
+                        </a:rPr>
+                        <a:t>Value</a:t>
+                      </a:r>
+                    </a:p>
+                  </a:txBody>
+                  <a:tcPr marL="0" marR="0" marT="0" marB="0" anchor="ctr"/>
+                </a:tc>
+                <a:extLst>
+                  <a:ext uri="{0D108BD9-81ED-4DB2-BD59-A6C34878D82A}">
+                    <a16:rowId xmlns:a16="http://schemas.microsoft.com/office/drawing/2014/main" val="484594022"/>
+                  </a:ext>
+                </a:extLst>
+              </a:tr>
+              <a:tr h="396041">
+                <a:tc>
+                  <a:txBody>
+                    <a:bodyPr/>
+                    <a:lstStyle/>
+                    <a:p>
+                      <a:pPr algn="ctr"/>
+                      <a:r>
+                        <a:rPr lang="en-US" sz="1600" b="1" dirty="0"/>
+                        <a:t>1</a:t>
+                      </a:r>
+                    </a:p>
+                  </a:txBody>
+                  <a:tcPr marL="0" marR="0" marT="0" marB="0" anchor="ctr"/>
+                </a:tc>
+                <a:tc>
+                  <a:txBody>
+                    <a:bodyPr/>
+                    <a:lstStyle/>
+                    <a:p>
+                      <a:pPr algn="ctr"/>
+                      <a:r>
+                        <a:rPr lang="en-US" sz="1600" b="1" dirty="0"/>
+                        <a:t>60</a:t>
+                      </a:r>
+                    </a:p>
+                  </a:txBody>
+                  <a:tcPr marL="0" marR="0" marT="0" marB="0" anchor="ctr"/>
+                </a:tc>
+                <a:tc>
+                  <a:txBody>
+                    <a:bodyPr/>
+                    <a:lstStyle/>
+                    <a:p>
+                      <a:pPr algn="ctr"/>
+                      <a:r>
+                        <a:rPr lang="en-US" sz="1600" b="1" dirty="0"/>
+                        <a:t>8</a:t>
+                      </a:r>
+                    </a:p>
+                  </a:txBody>
+                  <a:tcPr marL="0" marR="0" marT="0" marB="0" anchor="ctr"/>
+                </a:tc>
+                <a:tc>
+                  <a:txBody>
+                    <a:bodyPr/>
+                    <a:lstStyle/>
+                    <a:p>
+                      <a:pPr algn="ctr"/>
+                      <a:r>
+                        <a:rPr lang="en-US" sz="1600" b="1" dirty="0"/>
+                        <a:t>5</a:t>
+                      </a:r>
+                    </a:p>
+                  </a:txBody>
+                  <a:tcPr marL="0" marR="0" marT="0" marB="0" anchor="ctr"/>
+                </a:tc>
+                <a:tc>
+                  <a:txBody>
+                    <a:bodyPr/>
+                    <a:lstStyle/>
+                    <a:p>
+                      <a:pPr algn="ctr"/>
+                      <a:r>
+                        <a:rPr lang="en-US" sz="1600" b="1" dirty="0"/>
+                        <a:t>Near bay</a:t>
+                      </a:r>
+                    </a:p>
+                  </a:txBody>
+                  <a:tcPr marL="0" marR="0" marT="0" marB="0" anchor="ctr"/>
+                </a:tc>
+                <a:tc>
+                  <a:txBody>
+                    <a:bodyPr/>
+                    <a:lstStyle/>
+                    <a:p>
+                      <a:pPr algn="ctr"/>
+                      <a:r>
+                        <a:rPr lang="en-US" sz="1600" b="1" dirty="0"/>
+                        <a:t>180k</a:t>
+                      </a:r>
+                    </a:p>
+                  </a:txBody>
+                  <a:tcPr marL="0" marR="0" marT="0" marB="0" anchor="ctr"/>
+                </a:tc>
+                <a:extLst>
+                  <a:ext uri="{0D108BD9-81ED-4DB2-BD59-A6C34878D82A}">
+                    <a16:rowId xmlns:a16="http://schemas.microsoft.com/office/drawing/2014/main" val="221256081"/>
+                  </a:ext>
+                </a:extLst>
+              </a:tr>
+              <a:tr h="396041">
+                <a:tc>
+                  <a:txBody>
+                    <a:bodyPr/>
+                    <a:lstStyle/>
+                    <a:p>
+                      <a:pPr algn="ctr"/>
+                      <a:r>
+                        <a:rPr lang="en-US" sz="1600" b="1" dirty="0"/>
+                        <a:t>2</a:t>
+                      </a:r>
+                    </a:p>
+                  </a:txBody>
+                  <a:tcPr marL="0" marR="0" marT="0" marB="0" anchor="ctr"/>
+                </a:tc>
+                <a:tc>
+                  <a:txBody>
+                    <a:bodyPr/>
+                    <a:lstStyle/>
+                    <a:p>
+                      <a:pPr algn="ctr"/>
+                      <a:r>
+                        <a:rPr lang="en-US" sz="1600" b="1" dirty="0"/>
+                        <a:t>40</a:t>
+                      </a:r>
+                    </a:p>
+                  </a:txBody>
+                  <a:tcPr marL="0" marR="0" marT="0" marB="0" anchor="ctr"/>
+                </a:tc>
+                <a:tc>
+                  <a:txBody>
+                    <a:bodyPr/>
+                    <a:lstStyle/>
+                    <a:p>
+                      <a:pPr algn="ctr"/>
+                      <a:r>
+                        <a:rPr lang="en-US" sz="1600" b="1" dirty="0"/>
+                        <a:t>9</a:t>
+                      </a:r>
+                    </a:p>
+                  </a:txBody>
+                  <a:tcPr marL="0" marR="0" marT="0" marB="0" anchor="ctr"/>
+                </a:tc>
+                <a:tc>
+                  <a:txBody>
+                    <a:bodyPr/>
+                    <a:lstStyle/>
+                    <a:p>
+                      <a:pPr algn="ctr"/>
+                      <a:r>
+                        <a:rPr lang="en-US" sz="1600" b="1" dirty="0"/>
+                        <a:t>6</a:t>
+                      </a:r>
+                    </a:p>
+                  </a:txBody>
+                  <a:tcPr marL="0" marR="0" marT="0" marB="0" anchor="ctr"/>
+                </a:tc>
+                <a:tc>
+                  <a:txBody>
+                    <a:bodyPr/>
+                    <a:lstStyle/>
+                    <a:p>
+                      <a:pPr algn="ctr"/>
+                      <a:r>
+                        <a:rPr lang="en-US" sz="1600" b="1" dirty="0"/>
+                        <a:t>Near ocean</a:t>
+                      </a:r>
+                    </a:p>
+                  </a:txBody>
+                  <a:tcPr marL="0" marR="0" marT="0" marB="0" anchor="ctr"/>
+                </a:tc>
+                <a:tc>
+                  <a:txBody>
+                    <a:bodyPr/>
+                    <a:lstStyle/>
+                    <a:p>
+                      <a:pPr algn="ctr"/>
+                      <a:r>
+                        <a:rPr lang="en-US" sz="1600" b="1" dirty="0"/>
+                        <a:t>250k</a:t>
+                      </a:r>
+                    </a:p>
+                  </a:txBody>
+                  <a:tcPr marL="0" marR="0" marT="0" marB="0" anchor="ctr"/>
+                </a:tc>
+                <a:extLst>
+                  <a:ext uri="{0D108BD9-81ED-4DB2-BD59-A6C34878D82A}">
+                    <a16:rowId xmlns:a16="http://schemas.microsoft.com/office/drawing/2014/main" val="4113619771"/>
+                  </a:ext>
+                </a:extLst>
+              </a:tr>
+              <a:tr h="396041">
+                <a:tc>
+                  <a:txBody>
+                    <a:bodyPr/>
+                    <a:lstStyle/>
+                    <a:p>
+                      <a:pPr algn="ctr"/>
+                      <a:r>
+                        <a:rPr lang="en-US" sz="1600" b="1" dirty="0"/>
+                        <a:t>3</a:t>
+                      </a:r>
+                    </a:p>
+                  </a:txBody>
+                  <a:tcPr marL="0" marR="0" marT="0" marB="0" anchor="ctr"/>
+                </a:tc>
+                <a:tc>
+                  <a:txBody>
+                    <a:bodyPr/>
+                    <a:lstStyle/>
+                    <a:p>
+                      <a:pPr algn="ctr"/>
+                      <a:r>
+                        <a:rPr lang="en-US" sz="1600" b="1" dirty="0"/>
+                        <a:t>65</a:t>
+                      </a:r>
+                    </a:p>
+                  </a:txBody>
+                  <a:tcPr marL="0" marR="0" marT="0" marB="0" anchor="ctr"/>
+                </a:tc>
+                <a:tc>
+                  <a:txBody>
+                    <a:bodyPr/>
+                    <a:lstStyle/>
+                    <a:p>
+                      <a:pPr algn="ctr"/>
+                      <a:r>
+                        <a:rPr lang="en-US" sz="1600" b="1" dirty="0"/>
+                        <a:t>9</a:t>
+                      </a:r>
+                    </a:p>
+                  </a:txBody>
+                  <a:tcPr marL="0" marR="0" marT="0" marB="0" anchor="ctr"/>
+                </a:tc>
+                <a:tc>
+                  <a:txBody>
+                    <a:bodyPr/>
+                    <a:lstStyle/>
+                    <a:p>
+                      <a:pPr algn="ctr"/>
+                      <a:r>
+                        <a:rPr lang="en-US" sz="1600" b="1" dirty="0"/>
+                        <a:t>6</a:t>
+                      </a:r>
+                    </a:p>
+                  </a:txBody>
+                  <a:tcPr marL="0" marR="0" marT="0" marB="0" anchor="ctr"/>
+                </a:tc>
+                <a:tc>
+                  <a:txBody>
+                    <a:bodyPr/>
+                    <a:lstStyle/>
+                    <a:p>
+                      <a:pPr algn="ctr"/>
+                      <a:r>
+                        <a:rPr lang="en-US" sz="1600" b="1" dirty="0"/>
+                        <a:t>Near bay</a:t>
+                      </a:r>
+                    </a:p>
+                  </a:txBody>
+                  <a:tcPr marL="0" marR="0" marT="0" marB="0" anchor="ctr"/>
+                </a:tc>
+                <a:tc>
+                  <a:txBody>
+                    <a:bodyPr/>
+                    <a:lstStyle/>
+                    <a:p>
+                      <a:pPr algn="ctr"/>
+                      <a:r>
+                        <a:rPr lang="en-US" sz="1600" b="1" dirty="0"/>
+                        <a:t>170k</a:t>
+                      </a:r>
+                    </a:p>
+                  </a:txBody>
+                  <a:tcPr marL="0" marR="0" marT="0" marB="0" anchor="ctr"/>
+                </a:tc>
+                <a:extLst>
+                  <a:ext uri="{0D108BD9-81ED-4DB2-BD59-A6C34878D82A}">
+                    <a16:rowId xmlns:a16="http://schemas.microsoft.com/office/drawing/2014/main" val="4248080489"/>
+                  </a:ext>
+                </a:extLst>
+              </a:tr>
+              <a:tr h="396041">
+                <a:tc>
+                  <a:txBody>
+                    <a:bodyPr/>
+                    <a:lstStyle/>
+                    <a:p>
+                      <a:pPr algn="ctr"/>
+                      <a:r>
+                        <a:rPr lang="en-US" sz="1600" b="1" dirty="0"/>
+                        <a:t>4</a:t>
+                      </a:r>
+                    </a:p>
+                  </a:txBody>
+                  <a:tcPr marL="0" marR="0" marT="0" marB="0" anchor="ctr"/>
+                </a:tc>
+                <a:tc>
+                  <a:txBody>
+                    <a:bodyPr/>
+                    <a:lstStyle/>
+                    <a:p>
+                      <a:pPr algn="ctr"/>
+                      <a:r>
+                        <a:rPr lang="en-US" sz="1600" b="1" dirty="0"/>
+                        <a:t>83</a:t>
+                      </a:r>
+                    </a:p>
+                  </a:txBody>
+                  <a:tcPr marL="0" marR="0" marT="0" marB="0" anchor="ctr"/>
+                </a:tc>
+                <a:tc>
+                  <a:txBody>
+                    <a:bodyPr/>
+                    <a:lstStyle/>
+                    <a:p>
+                      <a:pPr algn="ctr"/>
+                      <a:r>
+                        <a:rPr lang="en-US" sz="1600" b="1" dirty="0"/>
+                        <a:t>6</a:t>
+                      </a:r>
+                    </a:p>
+                  </a:txBody>
+                  <a:tcPr marL="0" marR="0" marT="0" marB="0" anchor="ctr"/>
+                </a:tc>
+                <a:tc>
+                  <a:txBody>
+                    <a:bodyPr/>
+                    <a:lstStyle/>
+                    <a:p>
+                      <a:pPr algn="ctr"/>
+                      <a:r>
+                        <a:rPr lang="en-US" sz="1600" b="1" dirty="0"/>
+                        <a:t>4</a:t>
+                      </a:r>
+                    </a:p>
+                  </a:txBody>
+                  <a:tcPr marL="0" marR="0" marT="0" marB="0" anchor="ctr"/>
+                </a:tc>
+                <a:tc>
+                  <a:txBody>
+                    <a:bodyPr/>
+                    <a:lstStyle/>
+                    <a:p>
+                      <a:pPr algn="ctr"/>
+                      <a:r>
+                        <a:rPr lang="en-US" sz="1600" b="1" dirty="0"/>
+                        <a:t>Inland</a:t>
+                      </a:r>
+                    </a:p>
+                  </a:txBody>
+                  <a:tcPr marL="0" marR="0" marT="0" marB="0" anchor="ctr"/>
+                </a:tc>
+                <a:tc>
+                  <a:txBody>
+                    <a:bodyPr/>
+                    <a:lstStyle/>
+                    <a:p>
+                      <a:pPr algn="ctr"/>
+                      <a:r>
+                        <a:rPr lang="en-US" sz="1600" b="1" dirty="0"/>
+                        <a:t>140k</a:t>
+                      </a:r>
+                    </a:p>
+                  </a:txBody>
+                  <a:tcPr marL="0" marR="0" marT="0" marB="0" anchor="ctr"/>
+                </a:tc>
+                <a:extLst>
+                  <a:ext uri="{0D108BD9-81ED-4DB2-BD59-A6C34878D82A}">
+                    <a16:rowId xmlns:a16="http://schemas.microsoft.com/office/drawing/2014/main" val="1706522073"/>
+                  </a:ext>
+                </a:extLst>
+              </a:tr>
+            </a:tbl>
+          </a:graphicData>
+        </a:graphic>
+      </p:graphicFrame>
     </p:spTree>
     <p:extLst>
       <p:ext uri="{BB962C8B-B14F-4D97-AF65-F5344CB8AC3E}">
@@ -26037,67 +24983,6 @@
 </p:sld>
 </file>
 
-<file path=ppt/slides/slide41.xml><?xml version="1.0" encoding="utf-8"?>
-<p:sld xmlns:a="http://schemas.openxmlformats.org/drawingml/2006/main" xmlns:r="http://schemas.openxmlformats.org/officeDocument/2006/relationships" xmlns:p="http://schemas.openxmlformats.org/presentationml/2006/main">
-  <p:cSld>
-    <p:spTree>
-      <p:nvGrpSpPr>
-        <p:cNvPr id="1" name=""/>
-        <p:cNvGrpSpPr/>
-        <p:nvPr/>
-      </p:nvGrpSpPr>
-      <p:grpSpPr>
-        <a:xfrm>
-          <a:off x="0" y="0"/>
-          <a:ext cx="0" cy="0"/>
-          <a:chOff x="0" y="0"/>
-          <a:chExt cx="0" cy="0"/>
-        </a:xfrm>
-      </p:grpSpPr>
-      <p:sp>
-        <p:nvSpPr>
-          <p:cNvPr id="3" name="Text Placeholder 2">
-            <a:extLst>
-              <a:ext uri="{FF2B5EF4-FFF2-40B4-BE49-F238E27FC236}">
-                <a16:creationId xmlns:a16="http://schemas.microsoft.com/office/drawing/2014/main" id="{E56EF9D8-F9CF-4472-9C2F-EC46482A8261}"/>
-              </a:ext>
-            </a:extLst>
-          </p:cNvPr>
-          <p:cNvSpPr>
-            <a:spLocks noGrp="1"/>
-          </p:cNvSpPr>
-          <p:nvPr>
-            <p:ph type="body" idx="1"/>
-          </p:nvPr>
-        </p:nvSpPr>
-        <p:spPr/>
-        <p:txBody>
-          <a:bodyPr/>
-          <a:lstStyle/>
-          <a:p>
-            <a:pPr marL="101598" indent="0" algn="ctr">
-              <a:buNone/>
-            </a:pPr>
-            <a:r>
-              <a:rPr lang="en-US" b="1" dirty="0"/>
-              <a:t>Open Floor</a:t>
-            </a:r>
-          </a:p>
-        </p:txBody>
-      </p:sp>
-    </p:spTree>
-    <p:extLst>
-      <p:ext uri="{BB962C8B-B14F-4D97-AF65-F5344CB8AC3E}">
-        <p14:creationId xmlns:p14="http://schemas.microsoft.com/office/powerpoint/2010/main" val="1884791787"/>
-      </p:ext>
-    </p:extLst>
-  </p:cSld>
-  <p:clrMapOvr>
-    <a:masterClrMapping/>
-  </p:clrMapOvr>
-</p:sld>
-</file>
-
 <file path=ppt/slides/slide5.xml><?xml version="1.0" encoding="utf-8"?>
 <p:sld xmlns:a="http://schemas.openxmlformats.org/drawingml/2006/main" xmlns:r="http://schemas.openxmlformats.org/officeDocument/2006/relationships" xmlns:p="http://schemas.openxmlformats.org/presentationml/2006/main">
   <p:cSld>
@@ -26396,7 +25281,7 @@
         </p:nvSpPr>
         <p:spPr>
           <a:xfrm>
-            <a:off x="619474" y="1421989"/>
+            <a:off x="619474" y="1203702"/>
             <a:ext cx="11168197" cy="4778854"/>
           </a:xfrm>
           <a:prstGeom prst="rect">
@@ -26477,7 +25362,7 @@
         </p:blipFill>
         <p:spPr bwMode="auto">
           <a:xfrm>
-            <a:off x="4701070" y="2214287"/>
+            <a:off x="2660271" y="2227734"/>
             <a:ext cx="7086601" cy="4152189"/>
           </a:xfrm>
           <a:prstGeom prst="rect">

--- a/Syllabus/Lecture06/Lec06.pptx
+++ b/Syllabus/Lecture06/Lec06.pptx
@@ -8472,84 +8472,6 @@
   <p:clrMapOvr>
     <a:masterClrMapping/>
   </p:clrMapOvr>
-  <p:timing>
-    <p:tnLst>
-      <p:par>
-        <p:cTn id="1" dur="indefinite" restart="never" nodeType="tmRoot">
-          <p:childTnLst>
-            <p:seq concurrent="1" nextAc="seek">
-              <p:cTn id="2" dur="indefinite" nodeType="mainSeq">
-                <p:childTnLst>
-                  <p:par>
-                    <p:cTn id="3" fill="hold">
-                      <p:stCondLst>
-                        <p:cond delay="indefinite"/>
-                      </p:stCondLst>
-                      <p:childTnLst>
-                        <p:par>
-                          <p:cTn id="4" fill="hold">
-                            <p:stCondLst>
-                              <p:cond delay="0"/>
-                            </p:stCondLst>
-                            <p:childTnLst>
-                              <p:par>
-                                <p:cTn id="5" presetID="1" presetClass="entr" presetSubtype="0" fill="hold" grpId="0" nodeType="clickEffect">
-                                  <p:stCondLst>
-                                    <p:cond delay="0"/>
-                                  </p:stCondLst>
-                                  <p:childTnLst>
-                                    <p:set>
-                                      <p:cBhvr>
-                                        <p:cTn id="6" dur="1" fill="hold">
-                                          <p:stCondLst>
-                                            <p:cond delay="0"/>
-                                          </p:stCondLst>
-                                        </p:cTn>
-                                        <p:tgtEl>
-                                          <p:spTgt spid="96"/>
-                                        </p:tgtEl>
-                                        <p:attrNameLst>
-                                          <p:attrName>style.visibility</p:attrName>
-                                        </p:attrNameLst>
-                                      </p:cBhvr>
-                                      <p:to>
-                                        <p:strVal val="visible"/>
-                                      </p:to>
-                                    </p:set>
-                                  </p:childTnLst>
-                                </p:cTn>
-                              </p:par>
-                            </p:childTnLst>
-                          </p:cTn>
-                        </p:par>
-                      </p:childTnLst>
-                    </p:cTn>
-                  </p:par>
-                </p:childTnLst>
-              </p:cTn>
-              <p:prevCondLst>
-                <p:cond evt="onPrev" delay="0">
-                  <p:tgtEl>
-                    <p:sldTgt/>
-                  </p:tgtEl>
-                </p:cond>
-              </p:prevCondLst>
-              <p:nextCondLst>
-                <p:cond evt="onNext" delay="0">
-                  <p:tgtEl>
-                    <p:sldTgt/>
-                  </p:tgtEl>
-                </p:cond>
-              </p:nextCondLst>
-            </p:seq>
-          </p:childTnLst>
-        </p:cTn>
-      </p:par>
-    </p:tnLst>
-    <p:bldLst>
-      <p:bldP spid="96" grpId="0"/>
-    </p:bldLst>
-  </p:timing>
 </p:sld>
 </file>
 
@@ -18793,84 +18715,6 @@
   <p:clrMapOvr>
     <a:masterClrMapping/>
   </p:clrMapOvr>
-  <p:timing>
-    <p:tnLst>
-      <p:par>
-        <p:cTn id="1" dur="indefinite" restart="never" nodeType="tmRoot">
-          <p:childTnLst>
-            <p:seq concurrent="1" nextAc="seek">
-              <p:cTn id="2" dur="indefinite" nodeType="mainSeq">
-                <p:childTnLst>
-                  <p:par>
-                    <p:cTn id="3" fill="hold">
-                      <p:stCondLst>
-                        <p:cond delay="indefinite"/>
-                      </p:stCondLst>
-                      <p:childTnLst>
-                        <p:par>
-                          <p:cTn id="4" fill="hold">
-                            <p:stCondLst>
-                              <p:cond delay="0"/>
-                            </p:stCondLst>
-                            <p:childTnLst>
-                              <p:par>
-                                <p:cTn id="5" presetID="1" presetClass="entr" presetSubtype="0" fill="hold" grpId="0" nodeType="clickEffect">
-                                  <p:stCondLst>
-                                    <p:cond delay="0"/>
-                                  </p:stCondLst>
-                                  <p:childTnLst>
-                                    <p:set>
-                                      <p:cBhvr>
-                                        <p:cTn id="6" dur="1" fill="hold">
-                                          <p:stCondLst>
-                                            <p:cond delay="0"/>
-                                          </p:stCondLst>
-                                        </p:cTn>
-                                        <p:tgtEl>
-                                          <p:spTgt spid="34"/>
-                                        </p:tgtEl>
-                                        <p:attrNameLst>
-                                          <p:attrName>style.visibility</p:attrName>
-                                        </p:attrNameLst>
-                                      </p:cBhvr>
-                                      <p:to>
-                                        <p:strVal val="visible"/>
-                                      </p:to>
-                                    </p:set>
-                                  </p:childTnLst>
-                                </p:cTn>
-                              </p:par>
-                            </p:childTnLst>
-                          </p:cTn>
-                        </p:par>
-                      </p:childTnLst>
-                    </p:cTn>
-                  </p:par>
-                </p:childTnLst>
-              </p:cTn>
-              <p:prevCondLst>
-                <p:cond evt="onPrev" delay="0">
-                  <p:tgtEl>
-                    <p:sldTgt/>
-                  </p:tgtEl>
-                </p:cond>
-              </p:prevCondLst>
-              <p:nextCondLst>
-                <p:cond evt="onNext" delay="0">
-                  <p:tgtEl>
-                    <p:sldTgt/>
-                  </p:tgtEl>
-                </p:cond>
-              </p:nextCondLst>
-            </p:seq>
-          </p:childTnLst>
-        </p:cTn>
-      </p:par>
-    </p:tnLst>
-    <p:bldLst>
-      <p:bldP spid="34" grpId="0"/>
-    </p:bldLst>
-  </p:timing>
 </p:sld>
 </file>
 
@@ -19170,130 +19014,6 @@
   <p:clrMapOvr>
     <a:masterClrMapping/>
   </p:clrMapOvr>
-  <p:timing>
-    <p:tnLst>
-      <p:par>
-        <p:cTn id="1" dur="indefinite" restart="never" nodeType="tmRoot">
-          <p:childTnLst>
-            <p:seq concurrent="1" nextAc="seek">
-              <p:cTn id="2" dur="indefinite" nodeType="mainSeq">
-                <p:childTnLst>
-                  <p:par>
-                    <p:cTn id="3" fill="hold">
-                      <p:stCondLst>
-                        <p:cond delay="indefinite"/>
-                      </p:stCondLst>
-                      <p:childTnLst>
-                        <p:par>
-                          <p:cTn id="4" fill="hold">
-                            <p:stCondLst>
-                              <p:cond delay="0"/>
-                            </p:stCondLst>
-                            <p:childTnLst>
-                              <p:par>
-                                <p:cTn id="5" presetID="1" presetClass="entr" presetSubtype="0" fill="hold" grpId="0" nodeType="clickEffect">
-                                  <p:stCondLst>
-                                    <p:cond delay="0"/>
-                                  </p:stCondLst>
-                                  <p:childTnLst>
-                                    <p:set>
-                                      <p:cBhvr>
-                                        <p:cTn id="6" dur="1" fill="hold">
-                                          <p:stCondLst>
-                                            <p:cond delay="0"/>
-                                          </p:stCondLst>
-                                        </p:cTn>
-                                        <p:tgtEl>
-                                          <p:spTgt spid="34"/>
-                                        </p:tgtEl>
-                                        <p:attrNameLst>
-                                          <p:attrName>style.visibility</p:attrName>
-                                        </p:attrNameLst>
-                                      </p:cBhvr>
-                                      <p:to>
-                                        <p:strVal val="visible"/>
-                                      </p:to>
-                                    </p:set>
-                                  </p:childTnLst>
-                                </p:cTn>
-                              </p:par>
-                            </p:childTnLst>
-                          </p:cTn>
-                        </p:par>
-                      </p:childTnLst>
-                    </p:cTn>
-                  </p:par>
-                  <p:par>
-                    <p:cTn id="7" fill="hold">
-                      <p:stCondLst>
-                        <p:cond delay="indefinite"/>
-                      </p:stCondLst>
-                      <p:childTnLst>
-                        <p:par>
-                          <p:cTn id="8" fill="hold">
-                            <p:stCondLst>
-                              <p:cond delay="0"/>
-                            </p:stCondLst>
-                            <p:childTnLst>
-                              <p:par>
-                                <p:cTn id="9" presetID="1" presetClass="entr" presetSubtype="0" fill="hold" grpId="0" nodeType="clickEffect">
-                                  <p:stCondLst>
-                                    <p:cond delay="0"/>
-                                  </p:stCondLst>
-                                  <p:childTnLst>
-                                    <p:set>
-                                      <p:cBhvr>
-                                        <p:cTn id="10" dur="1" fill="hold">
-                                          <p:stCondLst>
-                                            <p:cond delay="0"/>
-                                          </p:stCondLst>
-                                        </p:cTn>
-                                        <p:tgtEl>
-                                          <p:spTgt spid="2"/>
-                                        </p:tgtEl>
-                                        <p:attrNameLst>
-                                          <p:attrName>style.visibility</p:attrName>
-                                        </p:attrNameLst>
-                                      </p:cBhvr>
-                                      <p:to>
-                                        <p:strVal val="visible"/>
-                                      </p:to>
-                                    </p:set>
-                                  </p:childTnLst>
-                                </p:cTn>
-                              </p:par>
-                            </p:childTnLst>
-                          </p:cTn>
-                        </p:par>
-                      </p:childTnLst>
-                    </p:cTn>
-                  </p:par>
-                </p:childTnLst>
-              </p:cTn>
-              <p:prevCondLst>
-                <p:cond evt="onPrev" delay="0">
-                  <p:tgtEl>
-                    <p:sldTgt/>
-                  </p:tgtEl>
-                </p:cond>
-              </p:prevCondLst>
-              <p:nextCondLst>
-                <p:cond evt="onNext" delay="0">
-                  <p:tgtEl>
-                    <p:sldTgt/>
-                  </p:tgtEl>
-                </p:cond>
-              </p:nextCondLst>
-            </p:seq>
-          </p:childTnLst>
-        </p:cTn>
-      </p:par>
-    </p:tnLst>
-    <p:bldLst>
-      <p:bldP spid="34" grpId="0" animBg="1"/>
-      <p:bldP spid="2" grpId="0" animBg="1"/>
-    </p:bldLst>
-  </p:timing>
 </p:sld>
 </file>
 
@@ -19556,84 +19276,6 @@
   <p:clrMapOvr>
     <a:masterClrMapping/>
   </p:clrMapOvr>
-  <p:timing>
-    <p:tnLst>
-      <p:par>
-        <p:cTn id="1" dur="indefinite" restart="never" nodeType="tmRoot">
-          <p:childTnLst>
-            <p:seq concurrent="1" nextAc="seek">
-              <p:cTn id="2" dur="indefinite" nodeType="mainSeq">
-                <p:childTnLst>
-                  <p:par>
-                    <p:cTn id="3" fill="hold">
-                      <p:stCondLst>
-                        <p:cond delay="indefinite"/>
-                      </p:stCondLst>
-                      <p:childTnLst>
-                        <p:par>
-                          <p:cTn id="4" fill="hold">
-                            <p:stCondLst>
-                              <p:cond delay="0"/>
-                            </p:stCondLst>
-                            <p:childTnLst>
-                              <p:par>
-                                <p:cTn id="5" presetID="1" presetClass="entr" presetSubtype="0" fill="hold" grpId="0" nodeType="clickEffect">
-                                  <p:stCondLst>
-                                    <p:cond delay="0"/>
-                                  </p:stCondLst>
-                                  <p:childTnLst>
-                                    <p:set>
-                                      <p:cBhvr>
-                                        <p:cTn id="6" dur="1" fill="hold">
-                                          <p:stCondLst>
-                                            <p:cond delay="0"/>
-                                          </p:stCondLst>
-                                        </p:cTn>
-                                        <p:tgtEl>
-                                          <p:spTgt spid="34"/>
-                                        </p:tgtEl>
-                                        <p:attrNameLst>
-                                          <p:attrName>style.visibility</p:attrName>
-                                        </p:attrNameLst>
-                                      </p:cBhvr>
-                                      <p:to>
-                                        <p:strVal val="visible"/>
-                                      </p:to>
-                                    </p:set>
-                                  </p:childTnLst>
-                                </p:cTn>
-                              </p:par>
-                            </p:childTnLst>
-                          </p:cTn>
-                        </p:par>
-                      </p:childTnLst>
-                    </p:cTn>
-                  </p:par>
-                </p:childTnLst>
-              </p:cTn>
-              <p:prevCondLst>
-                <p:cond evt="onPrev" delay="0">
-                  <p:tgtEl>
-                    <p:sldTgt/>
-                  </p:tgtEl>
-                </p:cond>
-              </p:prevCondLst>
-              <p:nextCondLst>
-                <p:cond evt="onNext" delay="0">
-                  <p:tgtEl>
-                    <p:sldTgt/>
-                  </p:tgtEl>
-                </p:cond>
-              </p:nextCondLst>
-            </p:seq>
-          </p:childTnLst>
-        </p:cTn>
-      </p:par>
-    </p:tnLst>
-    <p:bldLst>
-      <p:bldP spid="34" grpId="0"/>
-    </p:bldLst>
-  </p:timing>
 </p:sld>
 </file>
 
@@ -19932,84 +19574,6 @@
   <p:clrMapOvr>
     <a:masterClrMapping/>
   </p:clrMapOvr>
-  <p:timing>
-    <p:tnLst>
-      <p:par>
-        <p:cTn id="1" dur="indefinite" restart="never" nodeType="tmRoot">
-          <p:childTnLst>
-            <p:seq concurrent="1" nextAc="seek">
-              <p:cTn id="2" dur="indefinite" nodeType="mainSeq">
-                <p:childTnLst>
-                  <p:par>
-                    <p:cTn id="3" fill="hold">
-                      <p:stCondLst>
-                        <p:cond delay="indefinite"/>
-                      </p:stCondLst>
-                      <p:childTnLst>
-                        <p:par>
-                          <p:cTn id="4" fill="hold">
-                            <p:stCondLst>
-                              <p:cond delay="0"/>
-                            </p:stCondLst>
-                            <p:childTnLst>
-                              <p:par>
-                                <p:cTn id="5" presetID="1" presetClass="entr" presetSubtype="0" fill="hold" grpId="0" nodeType="clickEffect">
-                                  <p:stCondLst>
-                                    <p:cond delay="0"/>
-                                  </p:stCondLst>
-                                  <p:childTnLst>
-                                    <p:set>
-                                      <p:cBhvr>
-                                        <p:cTn id="6" dur="1" fill="hold">
-                                          <p:stCondLst>
-                                            <p:cond delay="0"/>
-                                          </p:stCondLst>
-                                        </p:cTn>
-                                        <p:tgtEl>
-                                          <p:spTgt spid="34"/>
-                                        </p:tgtEl>
-                                        <p:attrNameLst>
-                                          <p:attrName>style.visibility</p:attrName>
-                                        </p:attrNameLst>
-                                      </p:cBhvr>
-                                      <p:to>
-                                        <p:strVal val="visible"/>
-                                      </p:to>
-                                    </p:set>
-                                  </p:childTnLst>
-                                </p:cTn>
-                              </p:par>
-                            </p:childTnLst>
-                          </p:cTn>
-                        </p:par>
-                      </p:childTnLst>
-                    </p:cTn>
-                  </p:par>
-                </p:childTnLst>
-              </p:cTn>
-              <p:prevCondLst>
-                <p:cond evt="onPrev" delay="0">
-                  <p:tgtEl>
-                    <p:sldTgt/>
-                  </p:tgtEl>
-                </p:cond>
-              </p:prevCondLst>
-              <p:nextCondLst>
-                <p:cond evt="onNext" delay="0">
-                  <p:tgtEl>
-                    <p:sldTgt/>
-                  </p:tgtEl>
-                </p:cond>
-              </p:nextCondLst>
-            </p:seq>
-          </p:childTnLst>
-        </p:cTn>
-      </p:par>
-    </p:tnLst>
-    <p:bldLst>
-      <p:bldP spid="34" grpId="0"/>
-    </p:bldLst>
-  </p:timing>
 </p:sld>
 </file>
 
@@ -20272,84 +19836,6 @@
   <p:clrMapOvr>
     <a:masterClrMapping/>
   </p:clrMapOvr>
-  <p:timing>
-    <p:tnLst>
-      <p:par>
-        <p:cTn id="1" dur="indefinite" restart="never" nodeType="tmRoot">
-          <p:childTnLst>
-            <p:seq concurrent="1" nextAc="seek">
-              <p:cTn id="2" dur="indefinite" nodeType="mainSeq">
-                <p:childTnLst>
-                  <p:par>
-                    <p:cTn id="3" fill="hold">
-                      <p:stCondLst>
-                        <p:cond delay="indefinite"/>
-                      </p:stCondLst>
-                      <p:childTnLst>
-                        <p:par>
-                          <p:cTn id="4" fill="hold">
-                            <p:stCondLst>
-                              <p:cond delay="0"/>
-                            </p:stCondLst>
-                            <p:childTnLst>
-                              <p:par>
-                                <p:cTn id="5" presetID="1" presetClass="entr" presetSubtype="0" fill="hold" grpId="0" nodeType="clickEffect">
-                                  <p:stCondLst>
-                                    <p:cond delay="0"/>
-                                  </p:stCondLst>
-                                  <p:childTnLst>
-                                    <p:set>
-                                      <p:cBhvr>
-                                        <p:cTn id="6" dur="1" fill="hold">
-                                          <p:stCondLst>
-                                            <p:cond delay="0"/>
-                                          </p:stCondLst>
-                                        </p:cTn>
-                                        <p:tgtEl>
-                                          <p:spTgt spid="34"/>
-                                        </p:tgtEl>
-                                        <p:attrNameLst>
-                                          <p:attrName>style.visibility</p:attrName>
-                                        </p:attrNameLst>
-                                      </p:cBhvr>
-                                      <p:to>
-                                        <p:strVal val="visible"/>
-                                      </p:to>
-                                    </p:set>
-                                  </p:childTnLst>
-                                </p:cTn>
-                              </p:par>
-                            </p:childTnLst>
-                          </p:cTn>
-                        </p:par>
-                      </p:childTnLst>
-                    </p:cTn>
-                  </p:par>
-                </p:childTnLst>
-              </p:cTn>
-              <p:prevCondLst>
-                <p:cond evt="onPrev" delay="0">
-                  <p:tgtEl>
-                    <p:sldTgt/>
-                  </p:tgtEl>
-                </p:cond>
-              </p:prevCondLst>
-              <p:nextCondLst>
-                <p:cond evt="onNext" delay="0">
-                  <p:tgtEl>
-                    <p:sldTgt/>
-                  </p:tgtEl>
-                </p:cond>
-              </p:nextCondLst>
-            </p:seq>
-          </p:childTnLst>
-        </p:cTn>
-      </p:par>
-    </p:tnLst>
-    <p:bldLst>
-      <p:bldP spid="34" grpId="0"/>
-    </p:bldLst>
-  </p:timing>
 </p:sld>
 </file>
 
@@ -21012,7 +20498,7 @@
             </a:pPr>
             <a:r>
               <a:rPr lang="en-US" dirty="0"/>
-              <a:t>Previous models have consisted of real-valued feature vectors (or discrete-valued) and natural measures of distance (e.g., MAE, MSE, RMSE).</a:t>
+              <a:t>Previous models have consisted of real-valued feature vectors (or discrete-valued) and natural measures of distance (e.g., MSE, RMSE).</a:t>
             </a:r>
           </a:p>
           <a:p>
@@ -24742,84 +24228,6 @@
   <p:clrMapOvr>
     <a:masterClrMapping/>
   </p:clrMapOvr>
-  <p:timing>
-    <p:tnLst>
-      <p:par>
-        <p:cTn id="1" dur="indefinite" restart="never" nodeType="tmRoot">
-          <p:childTnLst>
-            <p:seq concurrent="1" nextAc="seek">
-              <p:cTn id="2" dur="indefinite" nodeType="mainSeq">
-                <p:childTnLst>
-                  <p:par>
-                    <p:cTn id="3" fill="hold">
-                      <p:stCondLst>
-                        <p:cond delay="indefinite"/>
-                      </p:stCondLst>
-                      <p:childTnLst>
-                        <p:par>
-                          <p:cTn id="4" fill="hold">
-                            <p:stCondLst>
-                              <p:cond delay="0"/>
-                            </p:stCondLst>
-                            <p:childTnLst>
-                              <p:par>
-                                <p:cTn id="5" presetID="1" presetClass="entr" presetSubtype="0" fill="hold" grpId="0" nodeType="clickEffect">
-                                  <p:stCondLst>
-                                    <p:cond delay="0"/>
-                                  </p:stCondLst>
-                                  <p:childTnLst>
-                                    <p:set>
-                                      <p:cBhvr>
-                                        <p:cTn id="6" dur="1" fill="hold">
-                                          <p:stCondLst>
-                                            <p:cond delay="0"/>
-                                          </p:stCondLst>
-                                        </p:cTn>
-                                        <p:tgtEl>
-                                          <p:spTgt spid="96"/>
-                                        </p:tgtEl>
-                                        <p:attrNameLst>
-                                          <p:attrName>style.visibility</p:attrName>
-                                        </p:attrNameLst>
-                                      </p:cBhvr>
-                                      <p:to>
-                                        <p:strVal val="visible"/>
-                                      </p:to>
-                                    </p:set>
-                                  </p:childTnLst>
-                                </p:cTn>
-                              </p:par>
-                            </p:childTnLst>
-                          </p:cTn>
-                        </p:par>
-                      </p:childTnLst>
-                    </p:cTn>
-                  </p:par>
-                </p:childTnLst>
-              </p:cTn>
-              <p:prevCondLst>
-                <p:cond evt="onPrev" delay="0">
-                  <p:tgtEl>
-                    <p:sldTgt/>
-                  </p:tgtEl>
-                </p:cond>
-              </p:prevCondLst>
-              <p:nextCondLst>
-                <p:cond evt="onNext" delay="0">
-                  <p:tgtEl>
-                    <p:sldTgt/>
-                  </p:tgtEl>
-                </p:cond>
-              </p:nextCondLst>
-            </p:seq>
-          </p:childTnLst>
-        </p:cTn>
-      </p:par>
-    </p:tnLst>
-    <p:bldLst>
-      <p:bldP spid="96" grpId="0"/>
-    </p:bldLst>
-  </p:timing>
 </p:sld>
 </file>
 
@@ -25086,7 +24494,19 @@
             </a:r>
             <a:r>
               <a:rPr lang="en-US" altLang="en-US" dirty="0"/>
-              <a:t> (outcome) is binary/unordered categorical, you want to assign each subject to  a class. Error assessment through misclassification cost.</a:t>
+              <a:t> (outcome) is binary/unordered categorical, you want to assign each subject to a class. </a:t>
+            </a:r>
+          </a:p>
+          <a:p>
+            <a:pPr>
+              <a:lnSpc>
+                <a:spcPct val="90000"/>
+              </a:lnSpc>
+              <a:defRPr/>
+            </a:pPr>
+            <a:r>
+              <a:rPr lang="en-US" altLang="en-US" dirty="0"/>
+              <a:t>	- Error assessment through misclassification cost.</a:t>
             </a:r>
           </a:p>
           <a:p>
@@ -25119,7 +24539,19 @@
             </a:r>
             <a:r>
               <a:rPr lang="en-US" altLang="en-US" dirty="0"/>
-              <a:t> is continuous or ordered discrete values. Prediction error measured by squared or relative absolute difference between observed and predicted values (MAE, MSE, RMSE..)</a:t>
+              <a:t> is continuous or ordered discrete values.</a:t>
+            </a:r>
+          </a:p>
+          <a:p>
+            <a:pPr>
+              <a:lnSpc>
+                <a:spcPct val="90000"/>
+              </a:lnSpc>
+              <a:defRPr/>
+            </a:pPr>
+            <a:r>
+              <a:rPr lang="en-US" altLang="en-US" dirty="0"/>
+              <a:t>	- Prediction error measured by squared or relative absolute difference between observed and predicted values (MSE, RMSE..)</a:t>
             </a:r>
           </a:p>
         </p:txBody>
@@ -25134,84 +24566,6 @@
   <p:clrMapOvr>
     <a:masterClrMapping/>
   </p:clrMapOvr>
-  <p:timing>
-    <p:tnLst>
-      <p:par>
-        <p:cTn id="1" dur="indefinite" restart="never" nodeType="tmRoot">
-          <p:childTnLst>
-            <p:seq concurrent="1" nextAc="seek">
-              <p:cTn id="2" dur="indefinite" nodeType="mainSeq">
-                <p:childTnLst>
-                  <p:par>
-                    <p:cTn id="3" fill="hold">
-                      <p:stCondLst>
-                        <p:cond delay="indefinite"/>
-                      </p:stCondLst>
-                      <p:childTnLst>
-                        <p:par>
-                          <p:cTn id="4" fill="hold">
-                            <p:stCondLst>
-                              <p:cond delay="0"/>
-                            </p:stCondLst>
-                            <p:childTnLst>
-                              <p:par>
-                                <p:cTn id="5" presetID="1" presetClass="entr" presetSubtype="0" fill="hold" grpId="0" nodeType="clickEffect">
-                                  <p:stCondLst>
-                                    <p:cond delay="0"/>
-                                  </p:stCondLst>
-                                  <p:childTnLst>
-                                    <p:set>
-                                      <p:cBhvr>
-                                        <p:cTn id="6" dur="1" fill="hold">
-                                          <p:stCondLst>
-                                            <p:cond delay="0"/>
-                                          </p:stCondLst>
-                                        </p:cTn>
-                                        <p:tgtEl>
-                                          <p:spTgt spid="96"/>
-                                        </p:tgtEl>
-                                        <p:attrNameLst>
-                                          <p:attrName>style.visibility</p:attrName>
-                                        </p:attrNameLst>
-                                      </p:cBhvr>
-                                      <p:to>
-                                        <p:strVal val="visible"/>
-                                      </p:to>
-                                    </p:set>
-                                  </p:childTnLst>
-                                </p:cTn>
-                              </p:par>
-                            </p:childTnLst>
-                          </p:cTn>
-                        </p:par>
-                      </p:childTnLst>
-                    </p:cTn>
-                  </p:par>
-                </p:childTnLst>
-              </p:cTn>
-              <p:prevCondLst>
-                <p:cond evt="onPrev" delay="0">
-                  <p:tgtEl>
-                    <p:sldTgt/>
-                  </p:tgtEl>
-                </p:cond>
-              </p:prevCondLst>
-              <p:nextCondLst>
-                <p:cond evt="onNext" delay="0">
-                  <p:tgtEl>
-                    <p:sldTgt/>
-                  </p:tgtEl>
-                </p:cond>
-              </p:nextCondLst>
-            </p:seq>
-          </p:childTnLst>
-        </p:cTn>
-      </p:par>
-    </p:tnLst>
-    <p:bldLst>
-      <p:bldP spid="96" grpId="0"/>
-    </p:bldLst>
-  </p:timing>
 </p:sld>
 </file>
 
@@ -25398,111 +24752,6 @@
   <p:clrMapOvr>
     <a:masterClrMapping/>
   </p:clrMapOvr>
-  <p:timing>
-    <p:tnLst>
-      <p:par>
-        <p:cTn id="1" dur="indefinite" restart="never" nodeType="tmRoot">
-          <p:childTnLst>
-            <p:seq concurrent="1" nextAc="seek">
-              <p:cTn id="2" dur="indefinite" nodeType="mainSeq">
-                <p:childTnLst>
-                  <p:par>
-                    <p:cTn id="3" fill="hold">
-                      <p:stCondLst>
-                        <p:cond delay="indefinite"/>
-                      </p:stCondLst>
-                      <p:childTnLst>
-                        <p:par>
-                          <p:cTn id="4" fill="hold">
-                            <p:stCondLst>
-                              <p:cond delay="0"/>
-                            </p:stCondLst>
-                            <p:childTnLst>
-                              <p:par>
-                                <p:cTn id="5" presetID="1" presetClass="entr" presetSubtype="0" fill="hold" grpId="0" nodeType="clickEffect">
-                                  <p:stCondLst>
-                                    <p:cond delay="0"/>
-                                  </p:stCondLst>
-                                  <p:childTnLst>
-                                    <p:set>
-                                      <p:cBhvr>
-                                        <p:cTn id="6" dur="1" fill="hold">
-                                          <p:stCondLst>
-                                            <p:cond delay="0"/>
-                                          </p:stCondLst>
-                                        </p:cTn>
-                                        <p:tgtEl>
-                                          <p:spTgt spid="96"/>
-                                        </p:tgtEl>
-                                        <p:attrNameLst>
-                                          <p:attrName>style.visibility</p:attrName>
-                                        </p:attrNameLst>
-                                      </p:cBhvr>
-                                      <p:to>
-                                        <p:strVal val="visible"/>
-                                      </p:to>
-                                    </p:set>
-                                  </p:childTnLst>
-                                </p:cTn>
-                              </p:par>
-                              <p:par>
-                                <p:cTn id="7" presetID="1" presetClass="entr" presetSubtype="0" fill="hold" nodeType="withEffect">
-                                  <p:stCondLst>
-                                    <p:cond delay="0"/>
-                                  </p:stCondLst>
-                                  <p:childTnLst>
-                                    <p:set>
-                                      <p:cBhvr>
-                                        <p:cTn id="8" dur="1" fill="hold">
-                                          <p:stCondLst>
-                                            <p:cond delay="0"/>
-                                          </p:stCondLst>
-                                        </p:cTn>
-                                        <p:tgtEl>
-                                          <p:spTgt spid="4"/>
-                                        </p:tgtEl>
-                                        <p:attrNameLst>
-                                          <p:attrName>style.visibility</p:attrName>
-                                        </p:attrNameLst>
-                                      </p:cBhvr>
-                                      <p:to>
-                                        <p:strVal val="visible"/>
-                                      </p:to>
-                                    </p:set>
-                                  </p:childTnLst>
-                                </p:cTn>
-                              </p:par>
-                            </p:childTnLst>
-                          </p:cTn>
-                        </p:par>
-                      </p:childTnLst>
-                    </p:cTn>
-                  </p:par>
-                </p:childTnLst>
-              </p:cTn>
-              <p:prevCondLst>
-                <p:cond evt="onPrev" delay="0">
-                  <p:tgtEl>
-                    <p:sldTgt/>
-                  </p:tgtEl>
-                </p:cond>
-              </p:prevCondLst>
-              <p:nextCondLst>
-                <p:cond evt="onNext" delay="0">
-                  <p:tgtEl>
-                    <p:sldTgt/>
-                  </p:tgtEl>
-                </p:cond>
-              </p:nextCondLst>
-            </p:seq>
-          </p:childTnLst>
-        </p:cTn>
-      </p:par>
-    </p:tnLst>
-    <p:bldLst>
-      <p:bldP spid="96" grpId="0"/>
-    </p:bldLst>
-  </p:timing>
 </p:sld>
 </file>
 
@@ -25946,139 +25195,6 @@
   <p:clrMapOvr>
     <a:masterClrMapping/>
   </p:clrMapOvr>
-  <p:timing>
-    <p:tnLst>
-      <p:par>
-        <p:cTn id="1" dur="indefinite" restart="never" nodeType="tmRoot">
-          <p:childTnLst>
-            <p:seq concurrent="1" nextAc="seek">
-              <p:cTn id="2" dur="indefinite" nodeType="mainSeq">
-                <p:childTnLst>
-                  <p:par>
-                    <p:cTn id="3" fill="hold">
-                      <p:stCondLst>
-                        <p:cond delay="indefinite"/>
-                      </p:stCondLst>
-                      <p:childTnLst>
-                        <p:par>
-                          <p:cTn id="4" fill="hold">
-                            <p:stCondLst>
-                              <p:cond delay="0"/>
-                            </p:stCondLst>
-                            <p:childTnLst>
-                              <p:par>
-                                <p:cTn id="5" presetID="1" presetClass="entr" presetSubtype="0" fill="hold" grpId="0" nodeType="clickEffect">
-                                  <p:stCondLst>
-                                    <p:cond delay="0"/>
-                                  </p:stCondLst>
-                                  <p:childTnLst>
-                                    <p:set>
-                                      <p:cBhvr>
-                                        <p:cTn id="6" dur="1" fill="hold">
-                                          <p:stCondLst>
-                                            <p:cond delay="0"/>
-                                          </p:stCondLst>
-                                        </p:cTn>
-                                        <p:tgtEl>
-                                          <p:spTgt spid="96"/>
-                                        </p:tgtEl>
-                                        <p:attrNameLst>
-                                          <p:attrName>style.visibility</p:attrName>
-                                        </p:attrNameLst>
-                                      </p:cBhvr>
-                                      <p:to>
-                                        <p:strVal val="visible"/>
-                                      </p:to>
-                                    </p:set>
-                                  </p:childTnLst>
-                                </p:cTn>
-                              </p:par>
-                              <p:par>
-                                <p:cTn id="7" presetID="1" presetClass="entr" presetSubtype="0" fill="hold" grpId="0" nodeType="withEffect">
-                                  <p:stCondLst>
-                                    <p:cond delay="0"/>
-                                  </p:stCondLst>
-                                  <p:childTnLst>
-                                    <p:set>
-                                      <p:cBhvr>
-                                        <p:cTn id="8" dur="1" fill="hold">
-                                          <p:stCondLst>
-                                            <p:cond delay="0"/>
-                                          </p:stCondLst>
-                                        </p:cTn>
-                                        <p:tgtEl>
-                                          <p:spTgt spid="2"/>
-                                        </p:tgtEl>
-                                        <p:attrNameLst>
-                                          <p:attrName>style.visibility</p:attrName>
-                                        </p:attrNameLst>
-                                      </p:cBhvr>
-                                      <p:to>
-                                        <p:strVal val="visible"/>
-                                      </p:to>
-                                    </p:set>
-                                  </p:childTnLst>
-                                </p:cTn>
-                              </p:par>
-                              <p:par>
-                                <p:cTn id="9" presetID="1" presetClass="entr" presetSubtype="0" fill="hold" nodeType="withEffect">
-                                  <p:stCondLst>
-                                    <p:cond delay="0"/>
-                                  </p:stCondLst>
-                                  <p:childTnLst>
-                                    <p:set>
-                                      <p:cBhvr>
-                                        <p:cTn id="10" dur="1" fill="hold">
-                                          <p:stCondLst>
-                                            <p:cond delay="0"/>
-                                          </p:stCondLst>
-                                        </p:cTn>
-                                        <p:tgtEl>
-                                          <p:spTgt spid="5"/>
-                                        </p:tgtEl>
-                                        <p:attrNameLst>
-                                          <p:attrName>style.visibility</p:attrName>
-                                        </p:attrNameLst>
-                                      </p:cBhvr>
-                                      <p:to>
-                                        <p:strVal val="visible"/>
-                                      </p:to>
-                                    </p:set>
-                                  </p:childTnLst>
-                                </p:cTn>
-                              </p:par>
-                            </p:childTnLst>
-                          </p:cTn>
-                        </p:par>
-                      </p:childTnLst>
-                    </p:cTn>
-                  </p:par>
-                </p:childTnLst>
-              </p:cTn>
-              <p:prevCondLst>
-                <p:cond evt="onPrev" delay="0">
-                  <p:tgtEl>
-                    <p:sldTgt/>
-                  </p:tgtEl>
-                </p:cond>
-              </p:prevCondLst>
-              <p:nextCondLst>
-                <p:cond evt="onNext" delay="0">
-                  <p:tgtEl>
-                    <p:sldTgt/>
-                  </p:tgtEl>
-                </p:cond>
-              </p:nextCondLst>
-            </p:seq>
-          </p:childTnLst>
-        </p:cTn>
-      </p:par>
-    </p:tnLst>
-    <p:bldLst>
-      <p:bldP spid="96" grpId="0"/>
-      <p:bldP spid="2" grpId="0"/>
-    </p:bldLst>
-  </p:timing>
 </p:sld>
 </file>
 
@@ -26175,7 +25291,7 @@
             </a:pPr>
             <a:r>
               <a:rPr lang="en-US" sz="2000" dirty="0"/>
-              <a:t>Leaves – denote a classes (1,2,3) are the outputs of the tree. Final classification</a:t>
+              <a:t>Leaves – denote classes (1,2,3) are the outputs of the tree. Final classification</a:t>
             </a:r>
           </a:p>
           <a:p>
@@ -26203,7 +25319,7 @@
             </a:pPr>
             <a:r>
               <a:rPr lang="en-US" sz="2000" dirty="0"/>
-              <a:t>The intermediate nodes are the descendant or “hidden” layers.</a:t>
+              <a:t>Using these attribute values, decision tree generates a class as the output for each input data.</a:t>
             </a:r>
           </a:p>
           <a:p>
@@ -26217,7 +25333,7 @@
             </a:pPr>
             <a:r>
               <a:rPr lang="en-US" sz="2000" dirty="0"/>
-              <a:t>Using these attribute values, decision tree generates a class as the output for each input data.</a:t>
+              <a:t>Binary trees, like the one shown, are the most popular type of tree.</a:t>
             </a:r>
           </a:p>
           <a:p>
@@ -26231,21 +25347,15 @@
             </a:pPr>
             <a:r>
               <a:rPr lang="en-US" sz="2000" dirty="0"/>
-              <a:t>Binary trees, like the one shown, are the most popular type of tree.</a:t>
-            </a:r>
-          </a:p>
-          <a:p>
-            <a:pPr marL="342900" indent="-342900">
-              <a:spcAft>
-                <a:spcPts val="600"/>
-              </a:spcAft>
-              <a:buFont typeface="Arial" panose="020B0604020202020204" pitchFamily="34" charset="0"/>
-              <a:buChar char="•"/>
-              <a:defRPr/>
-            </a:pPr>
+              <a:t>Nodes can contain one more question. In a binary tree</a:t>
+            </a:r>
+            <a:r>
+              <a:rPr lang="en-US" sz="2000" u="sng" dirty="0"/>
+              <a:t>, by convention, if the answer to a question is “yes,</a:t>
+            </a:r>
             <a:r>
               <a:rPr lang="en-US" sz="2000" dirty="0"/>
-              <a:t>Nodes can contain one more questions. In a binary tree, by convention if the answer to a question is “yes”, the left branch is selected. </a:t>
+              <a:t>” the left branch is selected. </a:t>
             </a:r>
           </a:p>
           <a:p>
@@ -26338,84 +25448,6 @@
   <p:clrMapOvr>
     <a:masterClrMapping/>
   </p:clrMapOvr>
-  <p:timing>
-    <p:tnLst>
-      <p:par>
-        <p:cTn id="1" dur="indefinite" restart="never" nodeType="tmRoot">
-          <p:childTnLst>
-            <p:seq concurrent="1" nextAc="seek">
-              <p:cTn id="2" dur="indefinite" nodeType="mainSeq">
-                <p:childTnLst>
-                  <p:par>
-                    <p:cTn id="3" fill="hold">
-                      <p:stCondLst>
-                        <p:cond delay="indefinite"/>
-                      </p:stCondLst>
-                      <p:childTnLst>
-                        <p:par>
-                          <p:cTn id="4" fill="hold">
-                            <p:stCondLst>
-                              <p:cond delay="0"/>
-                            </p:stCondLst>
-                            <p:childTnLst>
-                              <p:par>
-                                <p:cTn id="5" presetID="1" presetClass="entr" presetSubtype="0" fill="hold" grpId="0" nodeType="clickEffect">
-                                  <p:stCondLst>
-                                    <p:cond delay="0"/>
-                                  </p:stCondLst>
-                                  <p:childTnLst>
-                                    <p:set>
-                                      <p:cBhvr>
-                                        <p:cTn id="6" dur="1" fill="hold">
-                                          <p:stCondLst>
-                                            <p:cond delay="0"/>
-                                          </p:stCondLst>
-                                        </p:cTn>
-                                        <p:tgtEl>
-                                          <p:spTgt spid="96"/>
-                                        </p:tgtEl>
-                                        <p:attrNameLst>
-                                          <p:attrName>style.visibility</p:attrName>
-                                        </p:attrNameLst>
-                                      </p:cBhvr>
-                                      <p:to>
-                                        <p:strVal val="visible"/>
-                                      </p:to>
-                                    </p:set>
-                                  </p:childTnLst>
-                                </p:cTn>
-                              </p:par>
-                            </p:childTnLst>
-                          </p:cTn>
-                        </p:par>
-                      </p:childTnLst>
-                    </p:cTn>
-                  </p:par>
-                </p:childTnLst>
-              </p:cTn>
-              <p:prevCondLst>
-                <p:cond evt="onPrev" delay="0">
-                  <p:tgtEl>
-                    <p:sldTgt/>
-                  </p:tgtEl>
-                </p:cond>
-              </p:prevCondLst>
-              <p:nextCondLst>
-                <p:cond evt="onNext" delay="0">
-                  <p:tgtEl>
-                    <p:sldTgt/>
-                  </p:tgtEl>
-                </p:cond>
-              </p:nextCondLst>
-            </p:seq>
-          </p:childTnLst>
-        </p:cTn>
-      </p:par>
-    </p:tnLst>
-    <p:bldLst>
-      <p:bldP spid="96" grpId="0"/>
-    </p:bldLst>
-  </p:timing>
 </p:sld>
 </file>
 

--- a/Syllabus/Lecture06/Lec06.pptx
+++ b/Syllabus/Lecture06/Lec06.pptx
@@ -13620,11 +13620,17 @@
           <p:cNvGraphicFramePr>
             <a:graphicFrameLocks noGrp="1"/>
           </p:cNvGraphicFramePr>
-          <p:nvPr/>
+          <p:nvPr>
+            <p:extLst>
+              <p:ext uri="{D42A27DB-BD31-4B8C-83A1-F6EECF244321}">
+                <p14:modId xmlns:p14="http://schemas.microsoft.com/office/powerpoint/2010/main" val="4119367387"/>
+              </p:ext>
+            </p:extLst>
+          </p:nvPr>
         </p:nvGraphicFramePr>
         <p:xfrm>
-          <a:off x="1584738" y="1523339"/>
-          <a:ext cx="9596784" cy="3369780"/>
+          <a:off x="1089212" y="1523339"/>
+          <a:ext cx="10092310" cy="3369780"/>
         </p:xfrm>
         <a:graphic>
           <a:graphicData uri="http://schemas.openxmlformats.org/drawingml/2006/table">
@@ -13633,42 +13639,42 @@
                 <a:tableStyleId>{5C22544A-7EE6-4342-B048-85BDC9FD1C3A}</a:tableStyleId>
               </a:tblPr>
               <a:tblGrid>
-                <a:gridCol w="741019">
+                <a:gridCol w="1008529">
                   <a:extLst>
                     <a:ext uri="{9D8B030D-6E8A-4147-A177-3AD203B41FA5}">
                       <a16:colId xmlns:a16="http://schemas.microsoft.com/office/drawing/2014/main" val="1190371758"/>
                     </a:ext>
                   </a:extLst>
                 </a:gridCol>
-                <a:gridCol w="1843708">
+                <a:gridCol w="1709659">
                   <a:extLst>
                     <a:ext uri="{9D8B030D-6E8A-4147-A177-3AD203B41FA5}">
                       <a16:colId xmlns:a16="http://schemas.microsoft.com/office/drawing/2014/main" val="1997368196"/>
                     </a:ext>
                   </a:extLst>
                 </a:gridCol>
-                <a:gridCol w="1431235">
+                <a:gridCol w="1505136">
                   <a:extLst>
                     <a:ext uri="{9D8B030D-6E8A-4147-A177-3AD203B41FA5}">
                       <a16:colId xmlns:a16="http://schemas.microsoft.com/office/drawing/2014/main" val="2965102608"/>
                     </a:ext>
                   </a:extLst>
                 </a:gridCol>
-                <a:gridCol w="2022613">
+                <a:gridCol w="2127050">
                   <a:extLst>
                     <a:ext uri="{9D8B030D-6E8A-4147-A177-3AD203B41FA5}">
                       <a16:colId xmlns:a16="http://schemas.microsoft.com/office/drawing/2014/main" val="374647292"/>
                     </a:ext>
                   </a:extLst>
                 </a:gridCol>
-                <a:gridCol w="1958745">
+                <a:gridCol w="2059884">
                   <a:extLst>
                     <a:ext uri="{9D8B030D-6E8A-4147-A177-3AD203B41FA5}">
                       <a16:colId xmlns:a16="http://schemas.microsoft.com/office/drawing/2014/main" val="1134094558"/>
                     </a:ext>
                   </a:extLst>
                 </a:gridCol>
-                <a:gridCol w="1599464">
+                <a:gridCol w="1682052">
                   <a:extLst>
                     <a:ext uri="{9D8B030D-6E8A-4147-A177-3AD203B41FA5}">
                       <a16:colId xmlns:a16="http://schemas.microsoft.com/office/drawing/2014/main" val="551863053"/>
@@ -14196,14 +14202,14 @@
           <p:nvPr>
             <p:extLst>
               <p:ext uri="{D42A27DB-BD31-4B8C-83A1-F6EECF244321}">
-                <p14:modId xmlns:p14="http://schemas.microsoft.com/office/powerpoint/2010/main" val="3860146703"/>
+                <p14:modId xmlns:p14="http://schemas.microsoft.com/office/powerpoint/2010/main" val="1522111465"/>
               </p:ext>
             </p:extLst>
           </p:nvPr>
         </p:nvGraphicFramePr>
         <p:xfrm>
-          <a:off x="1584738" y="5036351"/>
-          <a:ext cx="9596784" cy="579120"/>
+          <a:off x="1089212" y="5036351"/>
+          <a:ext cx="10092311" cy="579120"/>
         </p:xfrm>
         <a:graphic>
           <a:graphicData uri="http://schemas.openxmlformats.org/drawingml/2006/table">
@@ -14212,42 +14218,42 @@
                 <a:tableStyleId>{00A15C55-8517-42AA-B614-E9B94910E393}</a:tableStyleId>
               </a:tblPr>
               <a:tblGrid>
-                <a:gridCol w="760745">
+                <a:gridCol w="1021976">
                   <a:extLst>
                     <a:ext uri="{9D8B030D-6E8A-4147-A177-3AD203B41FA5}">
                       <a16:colId xmlns:a16="http://schemas.microsoft.com/office/drawing/2014/main" val="2687690570"/>
                     </a:ext>
                   </a:extLst>
                 </a:gridCol>
-                <a:gridCol w="1816572">
+                <a:gridCol w="1688420">
                   <a:extLst>
                     <a:ext uri="{9D8B030D-6E8A-4147-A177-3AD203B41FA5}">
                       <a16:colId xmlns:a16="http://schemas.microsoft.com/office/drawing/2014/main" val="1316008727"/>
                     </a:ext>
                   </a:extLst>
                 </a:gridCol>
-                <a:gridCol w="1436474">
+                <a:gridCol w="1510646">
                   <a:extLst>
                     <a:ext uri="{9D8B030D-6E8A-4147-A177-3AD203B41FA5}">
                       <a16:colId xmlns:a16="http://schemas.microsoft.com/office/drawing/2014/main" val="1706091035"/>
                     </a:ext>
                   </a:extLst>
                 </a:gridCol>
-                <a:gridCol w="1979470">
+                <a:gridCol w="2081679">
                   <a:extLst>
                     <a:ext uri="{9D8B030D-6E8A-4147-A177-3AD203B41FA5}">
                       <a16:colId xmlns:a16="http://schemas.microsoft.com/office/drawing/2014/main" val="105002188"/>
                     </a:ext>
                   </a:extLst>
                 </a:gridCol>
-                <a:gridCol w="1954789">
+                <a:gridCol w="2055724">
                   <a:extLst>
                     <a:ext uri="{9D8B030D-6E8A-4147-A177-3AD203B41FA5}">
                       <a16:colId xmlns:a16="http://schemas.microsoft.com/office/drawing/2014/main" val="460825068"/>
                     </a:ext>
                   </a:extLst>
                 </a:gridCol>
-                <a:gridCol w="1648734">
+                <a:gridCol w="1733866">
                   <a:extLst>
                     <a:ext uri="{9D8B030D-6E8A-4147-A177-3AD203B41FA5}">
                       <a16:colId xmlns:a16="http://schemas.microsoft.com/office/drawing/2014/main" val="4283279318"/>
@@ -14261,6 +14267,7 @@
                     <a:bodyPr/>
                     <a:lstStyle/>
                     <a:p>
+                      <a:pPr algn="ctr"/>
                       <a:r>
                         <a:rPr lang="en-US" sz="1600" dirty="0">
                           <a:solidFill>
@@ -14278,6 +14285,7 @@
                     <a:bodyPr/>
                     <a:lstStyle/>
                     <a:p>
+                      <a:pPr algn="ctr"/>
                       <a:r>
                         <a:rPr lang="en-US" sz="1600" dirty="0">
                           <a:solidFill>
@@ -14295,7 +14303,7 @@
                     <a:bodyPr/>
                     <a:lstStyle/>
                     <a:p>
-                      <a:pPr marL="0" marR="0" lvl="0" indent="0" algn="l" defTabSz="609585" rtl="0" eaLnBrk="1" fontAlgn="auto" latinLnBrk="0" hangingPunct="1">
+                      <a:pPr marL="0" marR="0" lvl="0" indent="0" algn="ctr" defTabSz="609585" rtl="0" eaLnBrk="1" fontAlgn="auto" latinLnBrk="0" hangingPunct="1">
                         <a:lnSpc>
                           <a:spcPct val="100000"/>
                         </a:lnSpc>
@@ -14322,6 +14330,7 @@
                       </a:r>
                     </a:p>
                     <a:p>
+                      <a:pPr algn="ctr"/>
                       <a:endParaRPr lang="en-US" sz="1600" dirty="0">
                         <a:solidFill>
                           <a:schemeClr val="tx1"/>
@@ -14336,7 +14345,7 @@
                     <a:bodyPr/>
                     <a:lstStyle/>
                     <a:p>
-                      <a:pPr marL="0" marR="0" lvl="0" indent="0" algn="l" defTabSz="609585" rtl="0" eaLnBrk="1" fontAlgn="auto" latinLnBrk="0" hangingPunct="1">
+                      <a:pPr marL="0" marR="0" lvl="0" indent="0" algn="ctr" defTabSz="609585" rtl="0" eaLnBrk="1" fontAlgn="auto" latinLnBrk="0" hangingPunct="1">
                         <a:lnSpc>
                           <a:spcPct val="100000"/>
                         </a:lnSpc>
@@ -14363,6 +14372,7 @@
                       </a:r>
                     </a:p>
                     <a:p>
+                      <a:pPr algn="ctr"/>
                       <a:endParaRPr lang="en-US" sz="1600" dirty="0">
                         <a:solidFill>
                           <a:schemeClr val="tx1"/>
@@ -14377,6 +14387,7 @@
                     <a:bodyPr/>
                     <a:lstStyle/>
                     <a:p>
+                      <a:pPr algn="ctr"/>
                       <a:r>
                         <a:rPr lang="en-US" sz="1600" dirty="0">
                           <a:solidFill>

--- a/Syllabus/Lecture06/Lec06.pptx
+++ b/Syllabus/Lecture06/Lec06.pptx
@@ -18117,7 +18117,7 @@
             </a:pPr>
             <a:r>
               <a:rPr lang="en-US" dirty="0"/>
-              <a:t>ID3 can produce Decision Trees with nodes that have more than two children</a:t>
+              <a:t>Note: ID3 can produce Decision Trees with nodes that have more than two children</a:t>
             </a:r>
           </a:p>
           <a:p>

--- a/Syllabus/Lecture06/Lec06.pptx
+++ b/Syllabus/Lecture06/Lec06.pptx
@@ -18891,7 +18891,7 @@
             </a:pPr>
             <a:r>
               <a:rPr lang="en-US" dirty="0"/>
-              <a:t>2.Assign </a:t>
+              <a:t>Assign </a:t>
             </a:r>
             <a:r>
               <a:rPr lang="en-US" i="1" dirty="0"/>
